--- a/Database/DB diagram draft20191021.pptx
+++ b/Database/DB diagram draft20191021.pptx
@@ -5732,7 +5732,7 @@
         </p:nvSpPr>
         <p:spPr>
           <a:xfrm>
-            <a:off x="176200" y="174875"/>
+            <a:off x="195525" y="153775"/>
             <a:ext cx="1318800" cy="1717200"/>
           </a:xfrm>
           <a:prstGeom prst="roundRect">
@@ -5924,7 +5924,7 @@
         </p:nvSpPr>
         <p:spPr>
           <a:xfrm>
-            <a:off x="3496973" y="106925"/>
+            <a:off x="3496973" y="56126"/>
             <a:ext cx="1904700" cy="391800"/>
           </a:xfrm>
           <a:prstGeom prst="rect">
@@ -5951,7 +5951,7 @@
               <a:buNone/>
             </a:pPr>
             <a:r>
-              <a:rPr lang="en" sz="1200" b="1">
+              <a:rPr lang="en" sz="1200" b="1" dirty="0">
                 <a:latin typeface="Cambria"/>
                 <a:ea typeface="Cambria"/>
                 <a:cs typeface="Cambria"/>
@@ -5959,7 +5959,7 @@
               </a:rPr>
               <a:t>Clients</a:t>
             </a:r>
-            <a:endParaRPr>
+            <a:endParaRPr dirty="0">
               <a:latin typeface="Cambria"/>
               <a:ea typeface="Cambria"/>
               <a:cs typeface="Cambria"/>
@@ -5976,7 +5976,7 @@
         </p:nvSpPr>
         <p:spPr>
           <a:xfrm>
-            <a:off x="176200" y="174875"/>
+            <a:off x="195525" y="81205"/>
             <a:ext cx="1318800" cy="391800"/>
           </a:xfrm>
           <a:prstGeom prst="rect">
@@ -6003,7 +6003,7 @@
               <a:buNone/>
             </a:pPr>
             <a:r>
-              <a:rPr lang="en" sz="1200" b="1">
+              <a:rPr lang="en" sz="1200" b="1" dirty="0">
                 <a:latin typeface="Cambria"/>
                 <a:ea typeface="Cambria"/>
                 <a:cs typeface="Cambria"/>
@@ -6011,7 +6011,7 @@
               </a:rPr>
               <a:t>Location</a:t>
             </a:r>
-            <a:endParaRPr>
+            <a:endParaRPr dirty="0">
               <a:latin typeface="Cambria"/>
               <a:ea typeface="Cambria"/>
               <a:cs typeface="Cambria"/>
@@ -6028,7 +6028,7 @@
         </p:nvSpPr>
         <p:spPr>
           <a:xfrm>
-            <a:off x="395350" y="1997450"/>
+            <a:off x="395350" y="1910366"/>
             <a:ext cx="1261200" cy="486600"/>
           </a:xfrm>
           <a:prstGeom prst="rect">
@@ -6058,7 +6058,7 @@
               <a:buNone/>
             </a:pPr>
             <a:r>
-              <a:rPr lang="en" sz="1200" b="1">
+              <a:rPr lang="en" sz="1200" b="1" dirty="0">
                 <a:latin typeface="Cambria"/>
                 <a:ea typeface="Cambria"/>
                 <a:cs typeface="Cambria"/>
@@ -6066,7 +6066,7 @@
               </a:rPr>
               <a:t>accountState</a:t>
             </a:r>
-            <a:endParaRPr/>
+            <a:endParaRPr dirty="0"/>
           </a:p>
         </p:txBody>
       </p:sp>
@@ -6078,7 +6078,7 @@
         </p:nvSpPr>
         <p:spPr>
           <a:xfrm>
-            <a:off x="1759950" y="3267475"/>
+            <a:off x="1759950" y="3144106"/>
             <a:ext cx="1358100" cy="348600"/>
           </a:xfrm>
           <a:prstGeom prst="rect">
@@ -6108,7 +6108,7 @@
               <a:buNone/>
             </a:pPr>
             <a:r>
-              <a:rPr lang="en" sz="1200" b="1">
+              <a:rPr lang="en" sz="1200" b="1" dirty="0">
                 <a:latin typeface="Cambria"/>
                 <a:ea typeface="Cambria"/>
                 <a:cs typeface="Cambria"/>
@@ -6116,7 +6116,7 @@
               </a:rPr>
               <a:t>contact</a:t>
             </a:r>
-            <a:endParaRPr/>
+            <a:endParaRPr dirty="0"/>
           </a:p>
         </p:txBody>
       </p:sp>
@@ -6321,7 +6321,7 @@
         </p:nvSpPr>
         <p:spPr>
           <a:xfrm>
-            <a:off x="7744200" y="1971350"/>
+            <a:off x="7744200" y="1920551"/>
             <a:ext cx="1110900" cy="296700"/>
           </a:xfrm>
           <a:prstGeom prst="rect">
@@ -6348,7 +6348,7 @@
               <a:buNone/>
             </a:pPr>
             <a:r>
-              <a:rPr lang="en" sz="1200" b="1">
+              <a:rPr lang="en" sz="1200" b="1" dirty="0">
                 <a:latin typeface="Cambria"/>
                 <a:ea typeface="Cambria"/>
                 <a:cs typeface="Cambria"/>
@@ -6356,7 +6356,7 @@
               </a:rPr>
               <a:t>transactions</a:t>
             </a:r>
-            <a:endParaRPr sz="1200">
+            <a:endParaRPr sz="1200" dirty="0">
               <a:latin typeface="Cambria"/>
               <a:ea typeface="Cambria"/>
               <a:cs typeface="Cambria"/>
@@ -6373,7 +6373,7 @@
         </p:nvSpPr>
         <p:spPr>
           <a:xfrm>
-            <a:off x="3472175" y="652400"/>
+            <a:off x="3500844" y="354802"/>
             <a:ext cx="1048200" cy="858600"/>
           </a:xfrm>
           <a:prstGeom prst="rect">
@@ -6400,10 +6400,10 @@
               <a:buNone/>
             </a:pPr>
             <a:r>
-              <a:rPr lang="en" sz="1000"/>
+              <a:rPr lang="en" sz="1000" dirty="0"/>
               <a:t>clientName</a:t>
             </a:r>
-            <a:endParaRPr sz="1000"/>
+            <a:endParaRPr sz="1000" dirty="0"/>
           </a:p>
           <a:p>
             <a:pPr marL="0" lvl="0" indent="0" algn="l" rtl="0">
@@ -6416,10 +6416,10 @@
               <a:buNone/>
             </a:pPr>
             <a:r>
-              <a:rPr lang="en" sz="1000"/>
+              <a:rPr lang="en" sz="1000" dirty="0"/>
               <a:t>clientid</a:t>
             </a:r>
-            <a:endParaRPr sz="1000"/>
+            <a:endParaRPr sz="1000" dirty="0"/>
           </a:p>
           <a:p>
             <a:pPr marL="0" lvl="0" indent="0" algn="l" rtl="0">
@@ -6432,10 +6432,10 @@
               <a:buNone/>
             </a:pPr>
             <a:r>
-              <a:rPr lang="en" sz="1000"/>
+              <a:rPr lang="en" sz="1000" dirty="0"/>
               <a:t>owner</a:t>
             </a:r>
-            <a:endParaRPr sz="1000"/>
+            <a:endParaRPr sz="1000" dirty="0"/>
           </a:p>
           <a:p>
             <a:pPr marL="0" lvl="0" indent="0" algn="l" rtl="0">
@@ -6447,7 +6447,7 @@
               </a:spcAft>
               <a:buNone/>
             </a:pPr>
-            <a:endParaRPr sz="1000"/>
+            <a:endParaRPr sz="1000" dirty="0"/>
           </a:p>
         </p:txBody>
       </p:sp>
@@ -6603,7 +6603,7 @@
         </p:nvSpPr>
         <p:spPr>
           <a:xfrm>
-            <a:off x="3215850" y="3245875"/>
+            <a:off x="3215850" y="3173305"/>
             <a:ext cx="1358100" cy="391800"/>
           </a:xfrm>
           <a:prstGeom prst="rect">
@@ -6633,7 +6633,7 @@
               <a:buNone/>
             </a:pPr>
             <a:r>
-              <a:rPr lang="en" sz="1200" b="1">
+              <a:rPr lang="en" sz="1200" b="1" dirty="0">
                 <a:latin typeface="Cambria"/>
                 <a:ea typeface="Cambria"/>
                 <a:cs typeface="Cambria"/>
@@ -6641,7 +6641,7 @@
               </a:rPr>
               <a:t>loginData</a:t>
             </a:r>
-            <a:endParaRPr/>
+            <a:endParaRPr dirty="0"/>
           </a:p>
         </p:txBody>
       </p:sp>
@@ -6653,7 +6653,7 @@
         </p:nvSpPr>
         <p:spPr>
           <a:xfrm>
-            <a:off x="4628213" y="3262738"/>
+            <a:off x="4628213" y="3168397"/>
             <a:ext cx="1358100" cy="486600"/>
           </a:xfrm>
           <a:prstGeom prst="rect">
@@ -6680,7 +6680,7 @@
               <a:buNone/>
             </a:pPr>
             <a:r>
-              <a:rPr lang="en" sz="1200" b="1">
+              <a:rPr lang="en" sz="1200" b="1" dirty="0">
                 <a:latin typeface="Cambria"/>
                 <a:ea typeface="Cambria"/>
                 <a:cs typeface="Cambria"/>
@@ -6688,7 +6688,7 @@
               </a:rPr>
               <a:t>loyalty</a:t>
             </a:r>
-            <a:endParaRPr/>
+            <a:endParaRPr dirty="0"/>
           </a:p>
         </p:txBody>
       </p:sp>
@@ -6700,7 +6700,7 @@
         </p:nvSpPr>
         <p:spPr>
           <a:xfrm>
-            <a:off x="6140200" y="3235225"/>
+            <a:off x="6135477" y="3159435"/>
             <a:ext cx="1358100" cy="348600"/>
           </a:xfrm>
           <a:prstGeom prst="rect">
@@ -6727,7 +6727,7 @@
               <a:buNone/>
             </a:pPr>
             <a:r>
-              <a:rPr lang="en" sz="1200" b="1">
+              <a:rPr lang="en" sz="1200" b="1" dirty="0">
                 <a:latin typeface="Cambria"/>
                 <a:ea typeface="Cambria"/>
                 <a:cs typeface="Cambria"/>
@@ -6735,7 +6735,7 @@
               </a:rPr>
               <a:t>regulars</a:t>
             </a:r>
-            <a:endParaRPr/>
+            <a:endParaRPr dirty="0"/>
           </a:p>
         </p:txBody>
       </p:sp>
@@ -6795,7 +6795,7 @@
         </p:nvSpPr>
         <p:spPr>
           <a:xfrm>
-            <a:off x="7755050" y="153775"/>
+            <a:off x="7755050" y="102976"/>
             <a:ext cx="1318800" cy="348600"/>
           </a:xfrm>
           <a:prstGeom prst="rect">
@@ -6825,7 +6825,7 @@
               <a:buNone/>
             </a:pPr>
             <a:r>
-              <a:rPr lang="en" sz="1200" b="1">
+              <a:rPr lang="en" sz="1200" b="1" dirty="0">
                 <a:latin typeface="Cambria"/>
                 <a:ea typeface="Cambria"/>
                 <a:cs typeface="Cambria"/>
@@ -6833,7 +6833,7 @@
               </a:rPr>
               <a:t>menu</a:t>
             </a:r>
-            <a:endParaRPr b="1">
+            <a:endParaRPr b="1" dirty="0">
               <a:latin typeface="Cambria"/>
               <a:ea typeface="Cambria"/>
               <a:cs typeface="Cambria"/>
@@ -6850,7 +6850,7 @@
         </p:nvSpPr>
         <p:spPr>
           <a:xfrm>
-            <a:off x="211850" y="467375"/>
+            <a:off x="182485" y="389049"/>
             <a:ext cx="942600" cy="1132200"/>
           </a:xfrm>
           <a:prstGeom prst="rect">
@@ -6867,6 +6867,20 @@
           </a:bodyPr>
           <a:lstStyle/>
           <a:p>
+            <a:r>
+              <a:rPr lang="en-US" sz="1000" dirty="0" err="1"/>
+              <a:t>Clientid</a:t>
+            </a:r>
+            <a:endParaRPr lang="en-US" sz="1000" dirty="0"/>
+          </a:p>
+          <a:p>
+            <a:r>
+              <a:rPr lang="en-US" sz="1000" dirty="0" err="1"/>
+              <a:t>branchid</a:t>
+            </a:r>
+            <a:endParaRPr lang="en" sz="1000" dirty="0"/>
+          </a:p>
+          <a:p>
             <a:pPr marL="0" lvl="0" indent="0" algn="l" rtl="0">
               <a:spcBef>
                 <a:spcPts val="0"/>
@@ -6877,10 +6891,10 @@
               <a:buNone/>
             </a:pPr>
             <a:r>
-              <a:rPr lang="en" sz="1000"/>
+              <a:rPr lang="en" sz="1000" dirty="0"/>
               <a:t>city</a:t>
             </a:r>
-            <a:endParaRPr sz="1000"/>
+            <a:endParaRPr sz="1000" dirty="0"/>
           </a:p>
           <a:p>
             <a:pPr marL="0" lvl="0" indent="0" algn="l" rtl="0">
@@ -6893,10 +6907,10 @@
               <a:buNone/>
             </a:pPr>
             <a:r>
-              <a:rPr lang="en" sz="1000"/>
+              <a:rPr lang="en" sz="1000" dirty="0"/>
               <a:t>country</a:t>
             </a:r>
-            <a:endParaRPr sz="1000"/>
+            <a:endParaRPr sz="1000" dirty="0"/>
           </a:p>
           <a:p>
             <a:pPr marL="0" lvl="0" indent="0" algn="l" rtl="0">
@@ -6909,10 +6923,10 @@
               <a:buNone/>
             </a:pPr>
             <a:r>
-              <a:rPr lang="en" sz="1000"/>
+              <a:rPr lang="en" sz="1000" dirty="0"/>
               <a:t>physAddress</a:t>
             </a:r>
-            <a:endParaRPr sz="1000"/>
+            <a:endParaRPr sz="1000" dirty="0"/>
           </a:p>
           <a:p>
             <a:pPr marL="0" lvl="0" indent="0" algn="l" rtl="0">
@@ -6925,10 +6939,21 @@
               <a:buNone/>
             </a:pPr>
             <a:r>
-              <a:rPr lang="en" sz="1000"/>
+              <a:rPr lang="en" sz="1000" dirty="0"/>
               <a:t>stateProv</a:t>
             </a:r>
-            <a:endParaRPr sz="1000"/>
+          </a:p>
+          <a:p>
+            <a:pPr marL="0" lvl="0" indent="0" algn="l" rtl="0">
+              <a:spcBef>
+                <a:spcPts val="0"/>
+              </a:spcBef>
+              <a:spcAft>
+                <a:spcPts val="0"/>
+              </a:spcAft>
+              <a:buNone/>
+            </a:pPr>
+            <a:endParaRPr sz="1000" dirty="0"/>
           </a:p>
         </p:txBody>
       </p:sp>
@@ -6940,7 +6965,7 @@
         </p:nvSpPr>
         <p:spPr>
           <a:xfrm>
-            <a:off x="414750" y="2384350"/>
+            <a:off x="392850" y="2254635"/>
             <a:ext cx="1261200" cy="1253400"/>
           </a:xfrm>
           <a:prstGeom prst="rect">
@@ -6957,6 +6982,13 @@
           </a:bodyPr>
           <a:lstStyle/>
           <a:p>
+            <a:r>
+              <a:rPr lang="en-US" sz="1000" dirty="0" err="1"/>
+              <a:t>clientid</a:t>
+            </a:r>
+            <a:endParaRPr lang="en" sz="1000" dirty="0"/>
+          </a:p>
+          <a:p>
             <a:pPr marL="0" marR="0" lvl="0" indent="0" algn="l" rtl="0">
               <a:lnSpc>
                 <a:spcPct val="100000"/>
@@ -6970,10 +7002,10 @@
               <a:buNone/>
             </a:pPr>
             <a:r>
-              <a:rPr lang="en" sz="1000"/>
+              <a:rPr lang="en" sz="1000" dirty="0"/>
               <a:t>loyaltyProg</a:t>
             </a:r>
-            <a:endParaRPr sz="1000"/>
+            <a:endParaRPr sz="1000" dirty="0"/>
           </a:p>
           <a:p>
             <a:pPr marL="0" marR="0" lvl="0" indent="0" algn="l" rtl="0">
@@ -6989,10 +7021,24 @@
               <a:buNone/>
             </a:pPr>
             <a:r>
-              <a:rPr lang="en" sz="1000"/>
+              <a:rPr lang="en" sz="1000" dirty="0"/>
               <a:t>premiumStatus</a:t>
             </a:r>
-            <a:endParaRPr/>
+          </a:p>
+          <a:p>
+            <a:pPr marL="0" marR="0" lvl="0" indent="0" algn="l" rtl="0">
+              <a:lnSpc>
+                <a:spcPct val="100000"/>
+              </a:lnSpc>
+              <a:spcBef>
+                <a:spcPts val="0"/>
+              </a:spcBef>
+              <a:spcAft>
+                <a:spcPts val="0"/>
+              </a:spcAft>
+              <a:buNone/>
+            </a:pPr>
+            <a:endParaRPr dirty="0"/>
           </a:p>
         </p:txBody>
       </p:sp>
@@ -7004,7 +7050,7 @@
         </p:nvSpPr>
         <p:spPr>
           <a:xfrm>
-            <a:off x="1745850" y="3815425"/>
+            <a:off x="1761001" y="3478765"/>
             <a:ext cx="1358100" cy="858600"/>
           </a:xfrm>
           <a:prstGeom prst="rect">
@@ -7034,10 +7080,10 @@
               <a:buNone/>
             </a:pPr>
             <a:r>
-              <a:rPr lang="en" sz="1000"/>
+              <a:rPr lang="en" sz="1000" dirty="0"/>
               <a:t>emailAddress</a:t>
             </a:r>
-            <a:endParaRPr sz="1000"/>
+            <a:endParaRPr sz="1000" dirty="0"/>
           </a:p>
           <a:p>
             <a:pPr marL="0" marR="0" lvl="0" indent="0" algn="l" rtl="0">
@@ -7053,10 +7099,35 @@
               <a:buNone/>
             </a:pPr>
             <a:r>
-              <a:rPr lang="en" sz="1000"/>
-              <a:t>phone</a:t>
+              <a:rPr lang="en-US" sz="1000" dirty="0"/>
+              <a:t>P</a:t>
             </a:r>
-            <a:endParaRPr sz="1000"/>
+            <a:r>
+              <a:rPr lang="en" sz="1000" dirty="0"/>
+              <a:t>hone</a:t>
+            </a:r>
+          </a:p>
+          <a:p>
+            <a:r>
+              <a:rPr lang="en-US" sz="1000" dirty="0" err="1"/>
+              <a:t>clientid</a:t>
+            </a:r>
+            <a:endParaRPr lang="en-US" sz="1000" dirty="0"/>
+          </a:p>
+          <a:p>
+            <a:pPr marL="0" marR="0" lvl="0" indent="0" algn="l" rtl="0">
+              <a:lnSpc>
+                <a:spcPct val="100000"/>
+              </a:lnSpc>
+              <a:spcBef>
+                <a:spcPts val="0"/>
+              </a:spcBef>
+              <a:spcAft>
+                <a:spcPts val="0"/>
+              </a:spcAft>
+              <a:buNone/>
+            </a:pPr>
+            <a:endParaRPr sz="1000" dirty="0"/>
           </a:p>
         </p:txBody>
       </p:sp>
@@ -7068,7 +7139,7 @@
         </p:nvSpPr>
         <p:spPr>
           <a:xfrm>
-            <a:off x="3192675" y="3757550"/>
+            <a:off x="3190944" y="3441775"/>
             <a:ext cx="1358100" cy="1003200"/>
           </a:xfrm>
           <a:prstGeom prst="rect">
@@ -7098,10 +7169,10 @@
               <a:buNone/>
             </a:pPr>
             <a:r>
-              <a:rPr lang="en" sz="1000"/>
+              <a:rPr lang="en" sz="1000" dirty="0"/>
               <a:t>Username</a:t>
             </a:r>
-            <a:endParaRPr sz="1000"/>
+            <a:endParaRPr sz="1000" dirty="0"/>
           </a:p>
           <a:p>
             <a:pPr marL="0" marR="0" lvl="0" indent="0" algn="l" rtl="0">
@@ -7117,10 +7188,35 @@
               <a:buNone/>
             </a:pPr>
             <a:r>
-              <a:rPr lang="en" sz="1000"/>
-              <a:t>password</a:t>
+              <a:rPr lang="en-US" sz="1000" dirty="0"/>
+              <a:t>P</a:t>
             </a:r>
-            <a:endParaRPr sz="1000"/>
+            <a:r>
+              <a:rPr lang="en" sz="1000" dirty="0"/>
+              <a:t>assword</a:t>
+            </a:r>
+          </a:p>
+          <a:p>
+            <a:r>
+              <a:rPr lang="en-US" sz="1000" dirty="0" err="1"/>
+              <a:t>clientid</a:t>
+            </a:r>
+            <a:endParaRPr lang="en-US" sz="1000" dirty="0"/>
+          </a:p>
+          <a:p>
+            <a:pPr marL="0" marR="0" lvl="0" indent="0" algn="l" rtl="0">
+              <a:lnSpc>
+                <a:spcPct val="100000"/>
+              </a:lnSpc>
+              <a:spcBef>
+                <a:spcPts val="0"/>
+              </a:spcBef>
+              <a:spcAft>
+                <a:spcPts val="0"/>
+              </a:spcAft>
+              <a:buNone/>
+            </a:pPr>
+            <a:endParaRPr sz="1000" dirty="0"/>
           </a:p>
         </p:txBody>
       </p:sp>
@@ -7132,7 +7228,7 @@
         </p:nvSpPr>
         <p:spPr>
           <a:xfrm>
-            <a:off x="4668450" y="3776850"/>
+            <a:off x="4668042" y="3494132"/>
             <a:ext cx="1358100" cy="1003200"/>
           </a:xfrm>
           <a:prstGeom prst="rect">
@@ -7177,7 +7273,7 @@
         </p:nvSpPr>
         <p:spPr>
           <a:xfrm>
-            <a:off x="7774325" y="661325"/>
+            <a:off x="7737465" y="405671"/>
             <a:ext cx="1261200" cy="1089900"/>
           </a:xfrm>
           <a:prstGeom prst="rect">
@@ -7193,6 +7289,13 @@
             <a:noAutofit/>
           </a:bodyPr>
           <a:lstStyle/>
+          <a:p>
+            <a:r>
+              <a:rPr lang="en-US" sz="1000" dirty="0" err="1"/>
+              <a:t>clientid</a:t>
+            </a:r>
+            <a:endParaRPr lang="en-US" sz="1000" dirty="0"/>
+          </a:p>
           <a:p>
             <a:pPr lvl="0"/>
             <a:r>
@@ -7231,7 +7334,7 @@
         </p:nvSpPr>
         <p:spPr>
           <a:xfrm>
-            <a:off x="7629650" y="2484325"/>
+            <a:off x="7620600" y="2224883"/>
             <a:ext cx="1358100" cy="1003200"/>
           </a:xfrm>
           <a:prstGeom prst="rect">
@@ -7261,10 +7364,10 @@
               <a:buNone/>
             </a:pPr>
             <a:r>
-              <a:rPr lang="en" sz="1000"/>
+              <a:rPr lang="en" sz="1000" dirty="0"/>
               <a:t>(next slide)</a:t>
             </a:r>
-            <a:endParaRPr sz="1000"/>
+            <a:endParaRPr sz="1000" dirty="0"/>
           </a:p>
         </p:txBody>
       </p:sp>
@@ -7328,14 +7431,14 @@
         <p:nvCxnSpPr>
           <p:cNvPr id="85" name="Google Shape;85;p13"/>
           <p:cNvCxnSpPr>
-            <a:stCxn id="67" idx="2"/>
+            <a:cxnSpLocks/>
           </p:cNvCxnSpPr>
           <p:nvPr/>
         </p:nvCxnSpPr>
         <p:spPr>
           <a:xfrm rot="5400000">
-            <a:off x="2558075" y="1808000"/>
-            <a:ext cx="1735200" cy="1141200"/>
+            <a:off x="2586958" y="1730145"/>
+            <a:ext cx="1784175" cy="1247935"/>
           </a:xfrm>
           <a:prstGeom prst="bentConnector3">
             <a:avLst>
@@ -7357,13 +7460,15 @@
       <p:cxnSp>
         <p:nvCxnSpPr>
           <p:cNvPr id="86" name="Google Shape;86;p13"/>
-          <p:cNvCxnSpPr/>
+          <p:cNvCxnSpPr>
+            <a:cxnSpLocks/>
+          </p:cNvCxnSpPr>
           <p:nvPr/>
         </p:nvCxnSpPr>
         <p:spPr>
           <a:xfrm rot="5400000">
-            <a:off x="3327775" y="2301050"/>
-            <a:ext cx="1794000" cy="135000"/>
+            <a:off x="3396276" y="2214907"/>
+            <a:ext cx="1787263" cy="271348"/>
           </a:xfrm>
           <a:prstGeom prst="bentConnector3">
             <a:avLst>
@@ -7385,13 +7490,15 @@
       <p:cxnSp>
         <p:nvCxnSpPr>
           <p:cNvPr id="87" name="Google Shape;87;p13"/>
-          <p:cNvCxnSpPr/>
+          <p:cNvCxnSpPr>
+            <a:cxnSpLocks/>
+          </p:cNvCxnSpPr>
           <p:nvPr/>
         </p:nvCxnSpPr>
         <p:spPr>
-          <a:xfrm rot="-5400000" flipH="1">
-            <a:off x="3921025" y="2286500"/>
-            <a:ext cx="1803600" cy="173700"/>
+          <a:xfrm rot="16200000" flipH="1">
+            <a:off x="3895368" y="2225725"/>
+            <a:ext cx="1783644" cy="253331"/>
           </a:xfrm>
           <a:prstGeom prst="bentConnector3">
             <a:avLst>
@@ -7413,13 +7520,15 @@
       <p:cxnSp>
         <p:nvCxnSpPr>
           <p:cNvPr id="88" name="Google Shape;88;p13"/>
-          <p:cNvCxnSpPr/>
+          <p:cNvCxnSpPr>
+            <a:cxnSpLocks/>
+          </p:cNvCxnSpPr>
           <p:nvPr/>
         </p:nvCxnSpPr>
         <p:spPr>
-          <a:xfrm rot="-5400000" flipH="1">
-            <a:off x="4822750" y="1722325"/>
-            <a:ext cx="1774800" cy="1273200"/>
+          <a:xfrm rot="16200000" flipH="1">
+            <a:off x="4846709" y="1666564"/>
+            <a:ext cx="1778922" cy="1372691"/>
           </a:xfrm>
           <a:prstGeom prst="bentConnector3">
             <a:avLst>
@@ -7441,13 +7550,15 @@
       <p:cxnSp>
         <p:nvCxnSpPr>
           <p:cNvPr id="89" name="Google Shape;89;p13"/>
-          <p:cNvCxnSpPr/>
+          <p:cNvCxnSpPr>
+            <a:cxnSpLocks/>
+          </p:cNvCxnSpPr>
           <p:nvPr/>
         </p:nvCxnSpPr>
         <p:spPr>
           <a:xfrm>
-            <a:off x="5411175" y="555225"/>
-            <a:ext cx="2343900" cy="144600"/>
+            <a:off x="5392588" y="545575"/>
+            <a:ext cx="2351608" cy="159949"/>
           </a:xfrm>
           <a:prstGeom prst="bentConnector3">
             <a:avLst>
@@ -7469,13 +7580,15 @@
       <p:cxnSp>
         <p:nvCxnSpPr>
           <p:cNvPr id="90" name="Google Shape;90;p13"/>
-          <p:cNvCxnSpPr/>
+          <p:cNvCxnSpPr>
+            <a:cxnSpLocks/>
+          </p:cNvCxnSpPr>
           <p:nvPr/>
         </p:nvCxnSpPr>
         <p:spPr>
           <a:xfrm>
-            <a:off x="5411175" y="979625"/>
-            <a:ext cx="2218500" cy="1302300"/>
+            <a:off x="5401673" y="979625"/>
+            <a:ext cx="2228002" cy="1302300"/>
           </a:xfrm>
           <a:prstGeom prst="bentConnector3">
             <a:avLst>
@@ -7502,7 +7615,7 @@
         </p:nvSpPr>
         <p:spPr>
           <a:xfrm>
-            <a:off x="6144525" y="3479200"/>
+            <a:off x="6173553" y="3405571"/>
             <a:ext cx="1358100" cy="1253400"/>
           </a:xfrm>
           <a:prstGeom prst="rect">
@@ -7519,6 +7632,13 @@
           </a:bodyPr>
           <a:lstStyle/>
           <a:p>
+            <a:r>
+              <a:rPr lang="en-US" sz="1000" dirty="0" err="1"/>
+              <a:t>clientid</a:t>
+            </a:r>
+            <a:endParaRPr lang="en" sz="1000" dirty="0"/>
+          </a:p>
+          <a:p>
             <a:pPr marL="0" lvl="0" indent="0" algn="l" rtl="0">
               <a:spcBef>
                 <a:spcPts val="0"/>
@@ -7529,10 +7649,10 @@
               <a:buNone/>
             </a:pPr>
             <a:r>
-              <a:rPr lang="en" sz="1000"/>
+              <a:rPr lang="en" sz="1000" dirty="0"/>
               <a:t>beginDate</a:t>
             </a:r>
-            <a:endParaRPr sz="1000"/>
+            <a:endParaRPr sz="1000" dirty="0"/>
           </a:p>
           <a:p>
             <a:pPr marL="0" lvl="0" indent="0" algn="l" rtl="0">
@@ -7545,10 +7665,10 @@
               <a:buNone/>
             </a:pPr>
             <a:r>
-              <a:rPr lang="en" sz="1000"/>
+              <a:rPr lang="en" sz="1000" dirty="0"/>
               <a:t>customerAddr</a:t>
             </a:r>
-            <a:endParaRPr sz="1000"/>
+            <a:endParaRPr sz="1000" dirty="0"/>
           </a:p>
           <a:p>
             <a:pPr marL="0" lvl="0" indent="0" algn="l" rtl="0">
@@ -7561,10 +7681,10 @@
               <a:buNone/>
             </a:pPr>
             <a:r>
-              <a:rPr lang="en" sz="1000"/>
+              <a:rPr lang="en" sz="1000" dirty="0"/>
               <a:t>customerApt</a:t>
             </a:r>
-            <a:endParaRPr sz="1000"/>
+            <a:endParaRPr sz="1000" dirty="0"/>
           </a:p>
           <a:p>
             <a:pPr marL="0" lvl="0" indent="0" algn="l" rtl="0">
@@ -7577,10 +7697,10 @@
               <a:buNone/>
             </a:pPr>
             <a:r>
-              <a:rPr lang="en" sz="1000"/>
+              <a:rPr lang="en" sz="1000" dirty="0"/>
               <a:t>customerCity</a:t>
             </a:r>
-            <a:endParaRPr sz="1000"/>
+            <a:endParaRPr sz="1000" dirty="0"/>
           </a:p>
           <a:p>
             <a:pPr marL="0" lvl="0" indent="0" algn="l" rtl="0">
@@ -7593,10 +7713,10 @@
               <a:buNone/>
             </a:pPr>
             <a:r>
-              <a:rPr lang="en" sz="1000"/>
+              <a:rPr lang="en" sz="1000" dirty="0"/>
               <a:t>customerEmail</a:t>
             </a:r>
-            <a:endParaRPr sz="1000"/>
+            <a:endParaRPr sz="1000" dirty="0"/>
           </a:p>
           <a:p>
             <a:pPr marL="0" lvl="0" indent="0" algn="l" rtl="0">
@@ -7609,10 +7729,10 @@
               <a:buNone/>
             </a:pPr>
             <a:r>
-              <a:rPr lang="en" sz="1000"/>
+              <a:rPr lang="en" sz="1000" dirty="0"/>
               <a:t>customerName</a:t>
             </a:r>
-            <a:endParaRPr sz="1000"/>
+            <a:endParaRPr sz="1000" dirty="0"/>
           </a:p>
           <a:p>
             <a:pPr marL="0" lvl="0" indent="0" algn="l" rtl="0">
@@ -7625,10 +7745,10 @@
               <a:buNone/>
             </a:pPr>
             <a:r>
-              <a:rPr lang="en" sz="1000"/>
+              <a:rPr lang="en" sz="1000" dirty="0"/>
               <a:t>customerState</a:t>
             </a:r>
-            <a:endParaRPr sz="1000"/>
+            <a:endParaRPr sz="1000" dirty="0"/>
           </a:p>
           <a:p>
             <a:pPr marL="0" lvl="0" indent="0" algn="l" rtl="0">
@@ -7641,10 +7761,10 @@
               <a:buNone/>
             </a:pPr>
             <a:r>
-              <a:rPr lang="en" sz="1000"/>
+              <a:rPr lang="en" sz="1000" dirty="0"/>
               <a:t>customerid</a:t>
             </a:r>
-            <a:endParaRPr sz="1000"/>
+            <a:endParaRPr sz="1000" dirty="0"/>
           </a:p>
           <a:p>
             <a:pPr marL="0" lvl="0" indent="0" algn="l" rtl="0">
@@ -7657,10 +7777,10 @@
               <a:buNone/>
             </a:pPr>
             <a:r>
-              <a:rPr lang="en" sz="1000"/>
+              <a:rPr lang="en" sz="1000" dirty="0"/>
               <a:t>customerphone</a:t>
             </a:r>
-            <a:endParaRPr sz="1000"/>
+            <a:endParaRPr sz="1000" dirty="0"/>
           </a:p>
           <a:p>
             <a:pPr marL="0" lvl="0" indent="0" algn="l" rtl="0">
@@ -7672,10 +7792,1878 @@
               </a:spcAft>
               <a:buNone/>
             </a:pPr>
-            <a:endParaRPr/>
+            <a:endParaRPr dirty="0"/>
           </a:p>
         </p:txBody>
       </p:sp>
+      <p:cxnSp>
+        <p:nvCxnSpPr>
+          <p:cNvPr id="11" name="Straight Connector 10">
+            <a:extLst>
+              <a:ext uri="{FF2B5EF4-FFF2-40B4-BE49-F238E27FC236}">
+                <a16:creationId xmlns:a16="http://schemas.microsoft.com/office/drawing/2014/main" id="{C7555055-82BB-4D10-A3CD-DAEE041388D6}"/>
+              </a:ext>
+            </a:extLst>
+          </p:cNvPr>
+          <p:cNvCxnSpPr/>
+          <p:nvPr/>
+        </p:nvCxnSpPr>
+        <p:spPr>
+          <a:xfrm>
+            <a:off x="1514450" y="699825"/>
+            <a:ext cx="161500" cy="77125"/>
+          </a:xfrm>
+          <a:prstGeom prst="line">
+            <a:avLst/>
+          </a:prstGeom>
+        </p:spPr>
+        <p:style>
+          <a:lnRef idx="1">
+            <a:schemeClr val="dk1"/>
+          </a:lnRef>
+          <a:fillRef idx="0">
+            <a:schemeClr val="dk1"/>
+          </a:fillRef>
+          <a:effectRef idx="0">
+            <a:schemeClr val="dk1"/>
+          </a:effectRef>
+          <a:fontRef idx="minor">
+            <a:schemeClr val="tx1"/>
+          </a:fontRef>
+        </p:style>
+      </p:cxnSp>
+      <p:cxnSp>
+        <p:nvCxnSpPr>
+          <p:cNvPr id="13" name="Straight Connector 12">
+            <a:extLst>
+              <a:ext uri="{FF2B5EF4-FFF2-40B4-BE49-F238E27FC236}">
+                <a16:creationId xmlns:a16="http://schemas.microsoft.com/office/drawing/2014/main" id="{53172FC4-F748-4A38-B10B-75465BC245B1}"/>
+              </a:ext>
+            </a:extLst>
+          </p:cNvPr>
+          <p:cNvCxnSpPr/>
+          <p:nvPr/>
+        </p:nvCxnSpPr>
+        <p:spPr>
+          <a:xfrm flipH="1">
+            <a:off x="1514450" y="776950"/>
+            <a:ext cx="142100" cy="66505"/>
+          </a:xfrm>
+          <a:prstGeom prst="line">
+            <a:avLst/>
+          </a:prstGeom>
+        </p:spPr>
+        <p:style>
+          <a:lnRef idx="1">
+            <a:schemeClr val="dk1"/>
+          </a:lnRef>
+          <a:fillRef idx="0">
+            <a:schemeClr val="dk1"/>
+          </a:fillRef>
+          <a:effectRef idx="0">
+            <a:schemeClr val="dk1"/>
+          </a:effectRef>
+          <a:fontRef idx="minor">
+            <a:schemeClr val="tx1"/>
+          </a:fontRef>
+        </p:style>
+      </p:cxnSp>
+      <p:cxnSp>
+        <p:nvCxnSpPr>
+          <p:cNvPr id="15" name="Straight Connector 14">
+            <a:extLst>
+              <a:ext uri="{FF2B5EF4-FFF2-40B4-BE49-F238E27FC236}">
+                <a16:creationId xmlns:a16="http://schemas.microsoft.com/office/drawing/2014/main" id="{8A65B959-2417-4628-B788-8BB712FCCFAC}"/>
+              </a:ext>
+            </a:extLst>
+          </p:cNvPr>
+          <p:cNvCxnSpPr/>
+          <p:nvPr/>
+        </p:nvCxnSpPr>
+        <p:spPr>
+          <a:xfrm>
+            <a:off x="3472175" y="555225"/>
+            <a:ext cx="0" cy="144600"/>
+          </a:xfrm>
+          <a:prstGeom prst="line">
+            <a:avLst/>
+          </a:prstGeom>
+        </p:spPr>
+        <p:style>
+          <a:lnRef idx="1">
+            <a:schemeClr val="dk1"/>
+          </a:lnRef>
+          <a:fillRef idx="0">
+            <a:schemeClr val="dk1"/>
+          </a:fillRef>
+          <a:effectRef idx="0">
+            <a:schemeClr val="dk1"/>
+          </a:effectRef>
+          <a:fontRef idx="minor">
+            <a:schemeClr val="tx1"/>
+          </a:fontRef>
+        </p:style>
+      </p:cxnSp>
+      <p:cxnSp>
+        <p:nvCxnSpPr>
+          <p:cNvPr id="93" name="Straight Connector 92">
+            <a:extLst>
+              <a:ext uri="{FF2B5EF4-FFF2-40B4-BE49-F238E27FC236}">
+                <a16:creationId xmlns:a16="http://schemas.microsoft.com/office/drawing/2014/main" id="{49F63C59-C0B7-4CAC-84C6-9E8897BE5F15}"/>
+              </a:ext>
+            </a:extLst>
+          </p:cNvPr>
+          <p:cNvCxnSpPr/>
+          <p:nvPr/>
+        </p:nvCxnSpPr>
+        <p:spPr>
+          <a:xfrm>
+            <a:off x="3425675" y="555225"/>
+            <a:ext cx="0" cy="144600"/>
+          </a:xfrm>
+          <a:prstGeom prst="line">
+            <a:avLst/>
+          </a:prstGeom>
+        </p:spPr>
+        <p:style>
+          <a:lnRef idx="1">
+            <a:schemeClr val="dk1"/>
+          </a:lnRef>
+          <a:fillRef idx="0">
+            <a:schemeClr val="dk1"/>
+          </a:fillRef>
+          <a:effectRef idx="0">
+            <a:schemeClr val="dk1"/>
+          </a:effectRef>
+          <a:fontRef idx="minor">
+            <a:schemeClr val="tx1"/>
+          </a:fontRef>
+        </p:style>
+      </p:cxnSp>
+      <p:cxnSp>
+        <p:nvCxnSpPr>
+          <p:cNvPr id="94" name="Straight Connector 93">
+            <a:extLst>
+              <a:ext uri="{FF2B5EF4-FFF2-40B4-BE49-F238E27FC236}">
+                <a16:creationId xmlns:a16="http://schemas.microsoft.com/office/drawing/2014/main" id="{83F71A41-9284-4A63-8A6D-DAB803497FE3}"/>
+              </a:ext>
+            </a:extLst>
+          </p:cNvPr>
+          <p:cNvCxnSpPr/>
+          <p:nvPr/>
+        </p:nvCxnSpPr>
+        <p:spPr>
+          <a:xfrm>
+            <a:off x="3471831" y="1326925"/>
+            <a:ext cx="0" cy="144600"/>
+          </a:xfrm>
+          <a:prstGeom prst="line">
+            <a:avLst/>
+          </a:prstGeom>
+        </p:spPr>
+        <p:style>
+          <a:lnRef idx="1">
+            <a:schemeClr val="dk1"/>
+          </a:lnRef>
+          <a:fillRef idx="0">
+            <a:schemeClr val="dk1"/>
+          </a:fillRef>
+          <a:effectRef idx="0">
+            <a:schemeClr val="dk1"/>
+          </a:effectRef>
+          <a:fontRef idx="minor">
+            <a:schemeClr val="tx1"/>
+          </a:fontRef>
+        </p:style>
+      </p:cxnSp>
+      <p:cxnSp>
+        <p:nvCxnSpPr>
+          <p:cNvPr id="95" name="Straight Connector 94">
+            <a:extLst>
+              <a:ext uri="{FF2B5EF4-FFF2-40B4-BE49-F238E27FC236}">
+                <a16:creationId xmlns:a16="http://schemas.microsoft.com/office/drawing/2014/main" id="{4C076823-5D70-4EFA-A7E1-B22CB9ED6C62}"/>
+              </a:ext>
+            </a:extLst>
+          </p:cNvPr>
+          <p:cNvCxnSpPr/>
+          <p:nvPr/>
+        </p:nvCxnSpPr>
+        <p:spPr>
+          <a:xfrm>
+            <a:off x="3425331" y="1326925"/>
+            <a:ext cx="0" cy="144600"/>
+          </a:xfrm>
+          <a:prstGeom prst="line">
+            <a:avLst/>
+          </a:prstGeom>
+        </p:spPr>
+        <p:style>
+          <a:lnRef idx="1">
+            <a:schemeClr val="dk1"/>
+          </a:lnRef>
+          <a:fillRef idx="0">
+            <a:schemeClr val="dk1"/>
+          </a:fillRef>
+          <a:effectRef idx="0">
+            <a:schemeClr val="dk1"/>
+          </a:effectRef>
+          <a:fontRef idx="minor">
+            <a:schemeClr val="tx1"/>
+          </a:fontRef>
+        </p:style>
+      </p:cxnSp>
+      <p:cxnSp>
+        <p:nvCxnSpPr>
+          <p:cNvPr id="96" name="Straight Connector 95">
+            <a:extLst>
+              <a:ext uri="{FF2B5EF4-FFF2-40B4-BE49-F238E27FC236}">
+                <a16:creationId xmlns:a16="http://schemas.microsoft.com/office/drawing/2014/main" id="{24BF0063-7305-49D4-ACA7-52545D2E13CC}"/>
+              </a:ext>
+            </a:extLst>
+          </p:cNvPr>
+          <p:cNvCxnSpPr/>
+          <p:nvPr/>
+        </p:nvCxnSpPr>
+        <p:spPr>
+          <a:xfrm>
+            <a:off x="5476326" y="907325"/>
+            <a:ext cx="0" cy="144600"/>
+          </a:xfrm>
+          <a:prstGeom prst="line">
+            <a:avLst/>
+          </a:prstGeom>
+        </p:spPr>
+        <p:style>
+          <a:lnRef idx="1">
+            <a:schemeClr val="dk1"/>
+          </a:lnRef>
+          <a:fillRef idx="0">
+            <a:schemeClr val="dk1"/>
+          </a:fillRef>
+          <a:effectRef idx="0">
+            <a:schemeClr val="dk1"/>
+          </a:effectRef>
+          <a:fontRef idx="minor">
+            <a:schemeClr val="tx1"/>
+          </a:fontRef>
+        </p:style>
+      </p:cxnSp>
+      <p:cxnSp>
+        <p:nvCxnSpPr>
+          <p:cNvPr id="97" name="Straight Connector 96">
+            <a:extLst>
+              <a:ext uri="{FF2B5EF4-FFF2-40B4-BE49-F238E27FC236}">
+                <a16:creationId xmlns:a16="http://schemas.microsoft.com/office/drawing/2014/main" id="{7B688AEF-4AA1-4135-8727-9C69AB7B281F}"/>
+              </a:ext>
+            </a:extLst>
+          </p:cNvPr>
+          <p:cNvCxnSpPr/>
+          <p:nvPr/>
+        </p:nvCxnSpPr>
+        <p:spPr>
+          <a:xfrm>
+            <a:off x="5429826" y="907325"/>
+            <a:ext cx="0" cy="144600"/>
+          </a:xfrm>
+          <a:prstGeom prst="line">
+            <a:avLst/>
+          </a:prstGeom>
+        </p:spPr>
+        <p:style>
+          <a:lnRef idx="1">
+            <a:schemeClr val="dk1"/>
+          </a:lnRef>
+          <a:fillRef idx="0">
+            <a:schemeClr val="dk1"/>
+          </a:fillRef>
+          <a:effectRef idx="0">
+            <a:schemeClr val="dk1"/>
+          </a:effectRef>
+          <a:fontRef idx="minor">
+            <a:schemeClr val="tx1"/>
+          </a:fontRef>
+        </p:style>
+      </p:cxnSp>
+      <p:cxnSp>
+        <p:nvCxnSpPr>
+          <p:cNvPr id="98" name="Straight Connector 97">
+            <a:extLst>
+              <a:ext uri="{FF2B5EF4-FFF2-40B4-BE49-F238E27FC236}">
+                <a16:creationId xmlns:a16="http://schemas.microsoft.com/office/drawing/2014/main" id="{03D1CC84-A460-4CD7-A8F3-72CD24266355}"/>
+              </a:ext>
+            </a:extLst>
+          </p:cNvPr>
+          <p:cNvCxnSpPr/>
+          <p:nvPr/>
+        </p:nvCxnSpPr>
+        <p:spPr>
+          <a:xfrm>
+            <a:off x="5476326" y="478150"/>
+            <a:ext cx="0" cy="144600"/>
+          </a:xfrm>
+          <a:prstGeom prst="line">
+            <a:avLst/>
+          </a:prstGeom>
+        </p:spPr>
+        <p:style>
+          <a:lnRef idx="1">
+            <a:schemeClr val="dk1"/>
+          </a:lnRef>
+          <a:fillRef idx="0">
+            <a:schemeClr val="dk1"/>
+          </a:fillRef>
+          <a:effectRef idx="0">
+            <a:schemeClr val="dk1"/>
+          </a:effectRef>
+          <a:fontRef idx="minor">
+            <a:schemeClr val="tx1"/>
+          </a:fontRef>
+        </p:style>
+      </p:cxnSp>
+      <p:cxnSp>
+        <p:nvCxnSpPr>
+          <p:cNvPr id="99" name="Straight Connector 98">
+            <a:extLst>
+              <a:ext uri="{FF2B5EF4-FFF2-40B4-BE49-F238E27FC236}">
+                <a16:creationId xmlns:a16="http://schemas.microsoft.com/office/drawing/2014/main" id="{FA1E5C46-3B5B-4705-A1C5-24B7EEBDF724}"/>
+              </a:ext>
+            </a:extLst>
+          </p:cNvPr>
+          <p:cNvCxnSpPr/>
+          <p:nvPr/>
+        </p:nvCxnSpPr>
+        <p:spPr>
+          <a:xfrm>
+            <a:off x="5429826" y="478150"/>
+            <a:ext cx="0" cy="144600"/>
+          </a:xfrm>
+          <a:prstGeom prst="line">
+            <a:avLst/>
+          </a:prstGeom>
+        </p:spPr>
+        <p:style>
+          <a:lnRef idx="1">
+            <a:schemeClr val="dk1"/>
+          </a:lnRef>
+          <a:fillRef idx="0">
+            <a:schemeClr val="dk1"/>
+          </a:fillRef>
+          <a:effectRef idx="0">
+            <a:schemeClr val="dk1"/>
+          </a:effectRef>
+          <a:fontRef idx="minor">
+            <a:schemeClr val="tx1"/>
+          </a:fontRef>
+        </p:style>
+      </p:cxnSp>
+      <p:cxnSp>
+        <p:nvCxnSpPr>
+          <p:cNvPr id="31" name="Straight Connector 30">
+            <a:extLst>
+              <a:ext uri="{FF2B5EF4-FFF2-40B4-BE49-F238E27FC236}">
+                <a16:creationId xmlns:a16="http://schemas.microsoft.com/office/drawing/2014/main" id="{A7517877-5BA1-4B26-A083-1D73DEE461CC}"/>
+              </a:ext>
+            </a:extLst>
+          </p:cNvPr>
+          <p:cNvCxnSpPr>
+            <a:cxnSpLocks/>
+          </p:cNvCxnSpPr>
+          <p:nvPr/>
+        </p:nvCxnSpPr>
+        <p:spPr>
+          <a:xfrm>
+            <a:off x="4022513" y="1511000"/>
+            <a:ext cx="161000" cy="0"/>
+          </a:xfrm>
+          <a:prstGeom prst="line">
+            <a:avLst/>
+          </a:prstGeom>
+        </p:spPr>
+        <p:style>
+          <a:lnRef idx="1">
+            <a:schemeClr val="dk1"/>
+          </a:lnRef>
+          <a:fillRef idx="0">
+            <a:schemeClr val="dk1"/>
+          </a:fillRef>
+          <a:effectRef idx="0">
+            <a:schemeClr val="dk1"/>
+          </a:effectRef>
+          <a:fontRef idx="minor">
+            <a:schemeClr val="tx1"/>
+          </a:fontRef>
+        </p:style>
+      </p:cxnSp>
+      <p:cxnSp>
+        <p:nvCxnSpPr>
+          <p:cNvPr id="102" name="Straight Connector 101">
+            <a:extLst>
+              <a:ext uri="{FF2B5EF4-FFF2-40B4-BE49-F238E27FC236}">
+                <a16:creationId xmlns:a16="http://schemas.microsoft.com/office/drawing/2014/main" id="{104AEB98-DC1B-418F-B9EA-F4FA1361E334}"/>
+              </a:ext>
+            </a:extLst>
+          </p:cNvPr>
+          <p:cNvCxnSpPr>
+            <a:cxnSpLocks/>
+          </p:cNvCxnSpPr>
+          <p:nvPr/>
+        </p:nvCxnSpPr>
+        <p:spPr>
+          <a:xfrm>
+            <a:off x="4022513" y="1556244"/>
+            <a:ext cx="161000" cy="0"/>
+          </a:xfrm>
+          <a:prstGeom prst="line">
+            <a:avLst/>
+          </a:prstGeom>
+        </p:spPr>
+        <p:style>
+          <a:lnRef idx="1">
+            <a:schemeClr val="dk1"/>
+          </a:lnRef>
+          <a:fillRef idx="0">
+            <a:schemeClr val="dk1"/>
+          </a:fillRef>
+          <a:effectRef idx="0">
+            <a:schemeClr val="dk1"/>
+          </a:effectRef>
+          <a:fontRef idx="minor">
+            <a:schemeClr val="tx1"/>
+          </a:fontRef>
+        </p:style>
+      </p:cxnSp>
+      <p:cxnSp>
+        <p:nvCxnSpPr>
+          <p:cNvPr id="103" name="Straight Connector 102">
+            <a:extLst>
+              <a:ext uri="{FF2B5EF4-FFF2-40B4-BE49-F238E27FC236}">
+                <a16:creationId xmlns:a16="http://schemas.microsoft.com/office/drawing/2014/main" id="{CAAA3FDE-6601-4069-A4F0-A05CC507C9C7}"/>
+              </a:ext>
+            </a:extLst>
+          </p:cNvPr>
+          <p:cNvCxnSpPr>
+            <a:cxnSpLocks/>
+          </p:cNvCxnSpPr>
+          <p:nvPr/>
+        </p:nvCxnSpPr>
+        <p:spPr>
+          <a:xfrm>
+            <a:off x="4345081" y="1511000"/>
+            <a:ext cx="161000" cy="0"/>
+          </a:xfrm>
+          <a:prstGeom prst="line">
+            <a:avLst/>
+          </a:prstGeom>
+        </p:spPr>
+        <p:style>
+          <a:lnRef idx="1">
+            <a:schemeClr val="dk1"/>
+          </a:lnRef>
+          <a:fillRef idx="0">
+            <a:schemeClr val="dk1"/>
+          </a:fillRef>
+          <a:effectRef idx="0">
+            <a:schemeClr val="dk1"/>
+          </a:effectRef>
+          <a:fontRef idx="minor">
+            <a:schemeClr val="tx1"/>
+          </a:fontRef>
+        </p:style>
+      </p:cxnSp>
+      <p:cxnSp>
+        <p:nvCxnSpPr>
+          <p:cNvPr id="104" name="Straight Connector 103">
+            <a:extLst>
+              <a:ext uri="{FF2B5EF4-FFF2-40B4-BE49-F238E27FC236}">
+                <a16:creationId xmlns:a16="http://schemas.microsoft.com/office/drawing/2014/main" id="{C3725A5A-5BAC-4517-9A49-05CCFFC1D2AE}"/>
+              </a:ext>
+            </a:extLst>
+          </p:cNvPr>
+          <p:cNvCxnSpPr>
+            <a:cxnSpLocks/>
+          </p:cNvCxnSpPr>
+          <p:nvPr/>
+        </p:nvCxnSpPr>
+        <p:spPr>
+          <a:xfrm>
+            <a:off x="4345081" y="1556244"/>
+            <a:ext cx="161000" cy="0"/>
+          </a:xfrm>
+          <a:prstGeom prst="line">
+            <a:avLst/>
+          </a:prstGeom>
+        </p:spPr>
+        <p:style>
+          <a:lnRef idx="1">
+            <a:schemeClr val="dk1"/>
+          </a:lnRef>
+          <a:fillRef idx="0">
+            <a:schemeClr val="dk1"/>
+          </a:fillRef>
+          <a:effectRef idx="0">
+            <a:schemeClr val="dk1"/>
+          </a:effectRef>
+          <a:fontRef idx="minor">
+            <a:schemeClr val="tx1"/>
+          </a:fontRef>
+        </p:style>
+      </p:cxnSp>
+      <p:cxnSp>
+        <p:nvCxnSpPr>
+          <p:cNvPr id="105" name="Straight Connector 104">
+            <a:extLst>
+              <a:ext uri="{FF2B5EF4-FFF2-40B4-BE49-F238E27FC236}">
+                <a16:creationId xmlns:a16="http://schemas.microsoft.com/office/drawing/2014/main" id="{549FD09B-3AB2-4C3C-9D0F-45EA45F6AF91}"/>
+              </a:ext>
+            </a:extLst>
+          </p:cNvPr>
+          <p:cNvCxnSpPr>
+            <a:cxnSpLocks/>
+          </p:cNvCxnSpPr>
+          <p:nvPr/>
+        </p:nvCxnSpPr>
+        <p:spPr>
+          <a:xfrm>
+            <a:off x="4579311" y="1511000"/>
+            <a:ext cx="161000" cy="0"/>
+          </a:xfrm>
+          <a:prstGeom prst="line">
+            <a:avLst/>
+          </a:prstGeom>
+        </p:spPr>
+        <p:style>
+          <a:lnRef idx="1">
+            <a:schemeClr val="dk1"/>
+          </a:lnRef>
+          <a:fillRef idx="0">
+            <a:schemeClr val="dk1"/>
+          </a:fillRef>
+          <a:effectRef idx="0">
+            <a:schemeClr val="dk1"/>
+          </a:effectRef>
+          <a:fontRef idx="minor">
+            <a:schemeClr val="tx1"/>
+          </a:fontRef>
+        </p:style>
+      </p:cxnSp>
+      <p:cxnSp>
+        <p:nvCxnSpPr>
+          <p:cNvPr id="106" name="Straight Connector 105">
+            <a:extLst>
+              <a:ext uri="{FF2B5EF4-FFF2-40B4-BE49-F238E27FC236}">
+                <a16:creationId xmlns:a16="http://schemas.microsoft.com/office/drawing/2014/main" id="{9F9AFC28-5502-4739-BA8D-20005E98A0C7}"/>
+              </a:ext>
+            </a:extLst>
+          </p:cNvPr>
+          <p:cNvCxnSpPr>
+            <a:cxnSpLocks/>
+          </p:cNvCxnSpPr>
+          <p:nvPr/>
+        </p:nvCxnSpPr>
+        <p:spPr>
+          <a:xfrm>
+            <a:off x="4579311" y="1556244"/>
+            <a:ext cx="161000" cy="0"/>
+          </a:xfrm>
+          <a:prstGeom prst="line">
+            <a:avLst/>
+          </a:prstGeom>
+        </p:spPr>
+        <p:style>
+          <a:lnRef idx="1">
+            <a:schemeClr val="dk1"/>
+          </a:lnRef>
+          <a:fillRef idx="0">
+            <a:schemeClr val="dk1"/>
+          </a:fillRef>
+          <a:effectRef idx="0">
+            <a:schemeClr val="dk1"/>
+          </a:effectRef>
+          <a:fontRef idx="minor">
+            <a:schemeClr val="tx1"/>
+          </a:fontRef>
+        </p:style>
+      </p:cxnSp>
+      <p:cxnSp>
+        <p:nvCxnSpPr>
+          <p:cNvPr id="107" name="Straight Connector 106">
+            <a:extLst>
+              <a:ext uri="{FF2B5EF4-FFF2-40B4-BE49-F238E27FC236}">
+                <a16:creationId xmlns:a16="http://schemas.microsoft.com/office/drawing/2014/main" id="{717B672B-4FC2-42B5-A654-976DCEDF1AB3}"/>
+              </a:ext>
+            </a:extLst>
+          </p:cNvPr>
+          <p:cNvCxnSpPr>
+            <a:cxnSpLocks/>
+          </p:cNvCxnSpPr>
+          <p:nvPr/>
+        </p:nvCxnSpPr>
+        <p:spPr>
+          <a:xfrm>
+            <a:off x="4969325" y="1511000"/>
+            <a:ext cx="161000" cy="0"/>
+          </a:xfrm>
+          <a:prstGeom prst="line">
+            <a:avLst/>
+          </a:prstGeom>
+        </p:spPr>
+        <p:style>
+          <a:lnRef idx="1">
+            <a:schemeClr val="dk1"/>
+          </a:lnRef>
+          <a:fillRef idx="0">
+            <a:schemeClr val="dk1"/>
+          </a:fillRef>
+          <a:effectRef idx="0">
+            <a:schemeClr val="dk1"/>
+          </a:effectRef>
+          <a:fontRef idx="minor">
+            <a:schemeClr val="tx1"/>
+          </a:fontRef>
+        </p:style>
+      </p:cxnSp>
+      <p:cxnSp>
+        <p:nvCxnSpPr>
+          <p:cNvPr id="108" name="Straight Connector 107">
+            <a:extLst>
+              <a:ext uri="{FF2B5EF4-FFF2-40B4-BE49-F238E27FC236}">
+                <a16:creationId xmlns:a16="http://schemas.microsoft.com/office/drawing/2014/main" id="{1EB0092A-8F7C-4554-AA95-15F9A8CC5446}"/>
+              </a:ext>
+            </a:extLst>
+          </p:cNvPr>
+          <p:cNvCxnSpPr>
+            <a:cxnSpLocks/>
+          </p:cNvCxnSpPr>
+          <p:nvPr/>
+        </p:nvCxnSpPr>
+        <p:spPr>
+          <a:xfrm>
+            <a:off x="4969325" y="1556244"/>
+            <a:ext cx="161000" cy="0"/>
+          </a:xfrm>
+          <a:prstGeom prst="line">
+            <a:avLst/>
+          </a:prstGeom>
+        </p:spPr>
+        <p:style>
+          <a:lnRef idx="1">
+            <a:schemeClr val="dk1"/>
+          </a:lnRef>
+          <a:fillRef idx="0">
+            <a:schemeClr val="dk1"/>
+          </a:fillRef>
+          <a:effectRef idx="0">
+            <a:schemeClr val="dk1"/>
+          </a:effectRef>
+          <a:fontRef idx="minor">
+            <a:schemeClr val="tx1"/>
+          </a:fontRef>
+        </p:style>
+      </p:cxnSp>
+      <p:cxnSp>
+        <p:nvCxnSpPr>
+          <p:cNvPr id="111" name="Straight Connector 110">
+            <a:extLst>
+              <a:ext uri="{FF2B5EF4-FFF2-40B4-BE49-F238E27FC236}">
+                <a16:creationId xmlns:a16="http://schemas.microsoft.com/office/drawing/2014/main" id="{AF9CC92C-DF82-4EA3-B537-F01ED6619B37}"/>
+              </a:ext>
+            </a:extLst>
+          </p:cNvPr>
+          <p:cNvCxnSpPr/>
+          <p:nvPr/>
+        </p:nvCxnSpPr>
+        <p:spPr>
+          <a:xfrm>
+            <a:off x="1656550" y="2495190"/>
+            <a:ext cx="161500" cy="77125"/>
+          </a:xfrm>
+          <a:prstGeom prst="line">
+            <a:avLst/>
+          </a:prstGeom>
+        </p:spPr>
+        <p:style>
+          <a:lnRef idx="1">
+            <a:schemeClr val="dk1"/>
+          </a:lnRef>
+          <a:fillRef idx="0">
+            <a:schemeClr val="dk1"/>
+          </a:fillRef>
+          <a:effectRef idx="0">
+            <a:schemeClr val="dk1"/>
+          </a:effectRef>
+          <a:fontRef idx="minor">
+            <a:schemeClr val="tx1"/>
+          </a:fontRef>
+        </p:style>
+      </p:cxnSp>
+      <p:cxnSp>
+        <p:nvCxnSpPr>
+          <p:cNvPr id="112" name="Straight Connector 111">
+            <a:extLst>
+              <a:ext uri="{FF2B5EF4-FFF2-40B4-BE49-F238E27FC236}">
+                <a16:creationId xmlns:a16="http://schemas.microsoft.com/office/drawing/2014/main" id="{E5DE4879-F676-4DE9-A9FF-8666E29BC8DB}"/>
+              </a:ext>
+            </a:extLst>
+          </p:cNvPr>
+          <p:cNvCxnSpPr/>
+          <p:nvPr/>
+        </p:nvCxnSpPr>
+        <p:spPr>
+          <a:xfrm flipH="1">
+            <a:off x="1656550" y="2572315"/>
+            <a:ext cx="142100" cy="66505"/>
+          </a:xfrm>
+          <a:prstGeom prst="line">
+            <a:avLst/>
+          </a:prstGeom>
+        </p:spPr>
+        <p:style>
+          <a:lnRef idx="1">
+            <a:schemeClr val="dk1"/>
+          </a:lnRef>
+          <a:fillRef idx="0">
+            <a:schemeClr val="dk1"/>
+          </a:fillRef>
+          <a:effectRef idx="0">
+            <a:schemeClr val="dk1"/>
+          </a:effectRef>
+          <a:fontRef idx="minor">
+            <a:schemeClr val="tx1"/>
+          </a:fontRef>
+        </p:style>
+      </p:cxnSp>
+      <p:cxnSp>
+        <p:nvCxnSpPr>
+          <p:cNvPr id="40" name="Straight Connector 39">
+            <a:extLst>
+              <a:ext uri="{FF2B5EF4-FFF2-40B4-BE49-F238E27FC236}">
+                <a16:creationId xmlns:a16="http://schemas.microsoft.com/office/drawing/2014/main" id="{F8A2876A-0B39-4AEE-99FA-F46CA44F95C4}"/>
+              </a:ext>
+            </a:extLst>
+          </p:cNvPr>
+          <p:cNvCxnSpPr/>
+          <p:nvPr/>
+        </p:nvCxnSpPr>
+        <p:spPr>
+          <a:xfrm flipH="1">
+            <a:off x="2781300" y="3091388"/>
+            <a:ext cx="73778" cy="152825"/>
+          </a:xfrm>
+          <a:prstGeom prst="line">
+            <a:avLst/>
+          </a:prstGeom>
+        </p:spPr>
+        <p:style>
+          <a:lnRef idx="1">
+            <a:schemeClr val="dk1"/>
+          </a:lnRef>
+          <a:fillRef idx="0">
+            <a:schemeClr val="dk1"/>
+          </a:fillRef>
+          <a:effectRef idx="0">
+            <a:schemeClr val="dk1"/>
+          </a:effectRef>
+          <a:fontRef idx="minor">
+            <a:schemeClr val="tx1"/>
+          </a:fontRef>
+        </p:style>
+      </p:cxnSp>
+      <p:cxnSp>
+        <p:nvCxnSpPr>
+          <p:cNvPr id="42" name="Straight Connector 41">
+            <a:extLst>
+              <a:ext uri="{FF2B5EF4-FFF2-40B4-BE49-F238E27FC236}">
+                <a16:creationId xmlns:a16="http://schemas.microsoft.com/office/drawing/2014/main" id="{5BC1126B-76F3-4538-BFB2-D78F787C1AB9}"/>
+              </a:ext>
+            </a:extLst>
+          </p:cNvPr>
+          <p:cNvCxnSpPr/>
+          <p:nvPr/>
+        </p:nvCxnSpPr>
+        <p:spPr>
+          <a:xfrm>
+            <a:off x="2855078" y="3091388"/>
+            <a:ext cx="64335" cy="152825"/>
+          </a:xfrm>
+          <a:prstGeom prst="line">
+            <a:avLst/>
+          </a:prstGeom>
+        </p:spPr>
+        <p:style>
+          <a:lnRef idx="1">
+            <a:schemeClr val="dk1"/>
+          </a:lnRef>
+          <a:fillRef idx="0">
+            <a:schemeClr val="dk1"/>
+          </a:fillRef>
+          <a:effectRef idx="0">
+            <a:schemeClr val="dk1"/>
+          </a:effectRef>
+          <a:fontRef idx="minor">
+            <a:schemeClr val="tx1"/>
+          </a:fontRef>
+        </p:style>
+      </p:cxnSp>
+      <p:cxnSp>
+        <p:nvCxnSpPr>
+          <p:cNvPr id="115" name="Straight Connector 114">
+            <a:extLst>
+              <a:ext uri="{FF2B5EF4-FFF2-40B4-BE49-F238E27FC236}">
+                <a16:creationId xmlns:a16="http://schemas.microsoft.com/office/drawing/2014/main" id="{86C0B745-FA7E-4600-8E13-587881E91C31}"/>
+              </a:ext>
+            </a:extLst>
+          </p:cNvPr>
+          <p:cNvCxnSpPr/>
+          <p:nvPr/>
+        </p:nvCxnSpPr>
+        <p:spPr>
+          <a:xfrm flipH="1">
+            <a:off x="4081313" y="3092337"/>
+            <a:ext cx="73778" cy="152825"/>
+          </a:xfrm>
+          <a:prstGeom prst="line">
+            <a:avLst/>
+          </a:prstGeom>
+        </p:spPr>
+        <p:style>
+          <a:lnRef idx="1">
+            <a:schemeClr val="dk1"/>
+          </a:lnRef>
+          <a:fillRef idx="0">
+            <a:schemeClr val="dk1"/>
+          </a:fillRef>
+          <a:effectRef idx="0">
+            <a:schemeClr val="dk1"/>
+          </a:effectRef>
+          <a:fontRef idx="minor">
+            <a:schemeClr val="tx1"/>
+          </a:fontRef>
+        </p:style>
+      </p:cxnSp>
+      <p:cxnSp>
+        <p:nvCxnSpPr>
+          <p:cNvPr id="116" name="Straight Connector 115">
+            <a:extLst>
+              <a:ext uri="{FF2B5EF4-FFF2-40B4-BE49-F238E27FC236}">
+                <a16:creationId xmlns:a16="http://schemas.microsoft.com/office/drawing/2014/main" id="{20A7E10D-95E8-41A9-870B-DD51CD9CC02C}"/>
+              </a:ext>
+            </a:extLst>
+          </p:cNvPr>
+          <p:cNvCxnSpPr/>
+          <p:nvPr/>
+        </p:nvCxnSpPr>
+        <p:spPr>
+          <a:xfrm>
+            <a:off x="4155091" y="3092337"/>
+            <a:ext cx="64335" cy="152825"/>
+          </a:xfrm>
+          <a:prstGeom prst="line">
+            <a:avLst/>
+          </a:prstGeom>
+        </p:spPr>
+        <p:style>
+          <a:lnRef idx="1">
+            <a:schemeClr val="dk1"/>
+          </a:lnRef>
+          <a:fillRef idx="0">
+            <a:schemeClr val="dk1"/>
+          </a:fillRef>
+          <a:effectRef idx="0">
+            <a:schemeClr val="dk1"/>
+          </a:effectRef>
+          <a:fontRef idx="minor">
+            <a:schemeClr val="tx1"/>
+          </a:fontRef>
+        </p:style>
+      </p:cxnSp>
+      <p:cxnSp>
+        <p:nvCxnSpPr>
+          <p:cNvPr id="117" name="Straight Connector 116">
+            <a:extLst>
+              <a:ext uri="{FF2B5EF4-FFF2-40B4-BE49-F238E27FC236}">
+                <a16:creationId xmlns:a16="http://schemas.microsoft.com/office/drawing/2014/main" id="{B7CC34F0-72E4-4741-A79E-C0D5C68B1130}"/>
+              </a:ext>
+            </a:extLst>
+          </p:cNvPr>
+          <p:cNvCxnSpPr/>
+          <p:nvPr/>
+        </p:nvCxnSpPr>
+        <p:spPr>
+          <a:xfrm flipH="1">
+            <a:off x="4841262" y="3101481"/>
+            <a:ext cx="73778" cy="152825"/>
+          </a:xfrm>
+          <a:prstGeom prst="line">
+            <a:avLst/>
+          </a:prstGeom>
+        </p:spPr>
+        <p:style>
+          <a:lnRef idx="1">
+            <a:schemeClr val="dk1"/>
+          </a:lnRef>
+          <a:fillRef idx="0">
+            <a:schemeClr val="dk1"/>
+          </a:fillRef>
+          <a:effectRef idx="0">
+            <a:schemeClr val="dk1"/>
+          </a:effectRef>
+          <a:fontRef idx="minor">
+            <a:schemeClr val="tx1"/>
+          </a:fontRef>
+        </p:style>
+      </p:cxnSp>
+      <p:cxnSp>
+        <p:nvCxnSpPr>
+          <p:cNvPr id="118" name="Straight Connector 117">
+            <a:extLst>
+              <a:ext uri="{FF2B5EF4-FFF2-40B4-BE49-F238E27FC236}">
+                <a16:creationId xmlns:a16="http://schemas.microsoft.com/office/drawing/2014/main" id="{1B30DA46-BE51-4D77-B00C-8165D33FEF8E}"/>
+              </a:ext>
+            </a:extLst>
+          </p:cNvPr>
+          <p:cNvCxnSpPr/>
+          <p:nvPr/>
+        </p:nvCxnSpPr>
+        <p:spPr>
+          <a:xfrm>
+            <a:off x="4915040" y="3101481"/>
+            <a:ext cx="64335" cy="152825"/>
+          </a:xfrm>
+          <a:prstGeom prst="line">
+            <a:avLst/>
+          </a:prstGeom>
+        </p:spPr>
+        <p:style>
+          <a:lnRef idx="1">
+            <a:schemeClr val="dk1"/>
+          </a:lnRef>
+          <a:fillRef idx="0">
+            <a:schemeClr val="dk1"/>
+          </a:fillRef>
+          <a:effectRef idx="0">
+            <a:schemeClr val="dk1"/>
+          </a:effectRef>
+          <a:fontRef idx="minor">
+            <a:schemeClr val="tx1"/>
+          </a:fontRef>
+        </p:style>
+      </p:cxnSp>
+      <p:cxnSp>
+        <p:nvCxnSpPr>
+          <p:cNvPr id="119" name="Straight Connector 118">
+            <a:extLst>
+              <a:ext uri="{FF2B5EF4-FFF2-40B4-BE49-F238E27FC236}">
+                <a16:creationId xmlns:a16="http://schemas.microsoft.com/office/drawing/2014/main" id="{4A8CEECF-709B-46A7-B71A-7CC782F3D5A0}"/>
+              </a:ext>
+            </a:extLst>
+          </p:cNvPr>
+          <p:cNvCxnSpPr/>
+          <p:nvPr/>
+        </p:nvCxnSpPr>
+        <p:spPr>
+          <a:xfrm flipH="1">
+            <a:off x="6353063" y="3101481"/>
+            <a:ext cx="73778" cy="152825"/>
+          </a:xfrm>
+          <a:prstGeom prst="line">
+            <a:avLst/>
+          </a:prstGeom>
+        </p:spPr>
+        <p:style>
+          <a:lnRef idx="1">
+            <a:schemeClr val="dk1"/>
+          </a:lnRef>
+          <a:fillRef idx="0">
+            <a:schemeClr val="dk1"/>
+          </a:fillRef>
+          <a:effectRef idx="0">
+            <a:schemeClr val="dk1"/>
+          </a:effectRef>
+          <a:fontRef idx="minor">
+            <a:schemeClr val="tx1"/>
+          </a:fontRef>
+        </p:style>
+      </p:cxnSp>
+      <p:cxnSp>
+        <p:nvCxnSpPr>
+          <p:cNvPr id="120" name="Straight Connector 119">
+            <a:extLst>
+              <a:ext uri="{FF2B5EF4-FFF2-40B4-BE49-F238E27FC236}">
+                <a16:creationId xmlns:a16="http://schemas.microsoft.com/office/drawing/2014/main" id="{A4738704-C93F-40E9-8363-DF43BC71999F}"/>
+              </a:ext>
+            </a:extLst>
+          </p:cNvPr>
+          <p:cNvCxnSpPr/>
+          <p:nvPr/>
+        </p:nvCxnSpPr>
+        <p:spPr>
+          <a:xfrm>
+            <a:off x="6426841" y="3101481"/>
+            <a:ext cx="64335" cy="152825"/>
+          </a:xfrm>
+          <a:prstGeom prst="line">
+            <a:avLst/>
+          </a:prstGeom>
+        </p:spPr>
+        <p:style>
+          <a:lnRef idx="1">
+            <a:schemeClr val="dk1"/>
+          </a:lnRef>
+          <a:fillRef idx="0">
+            <a:schemeClr val="dk1"/>
+          </a:fillRef>
+          <a:effectRef idx="0">
+            <a:schemeClr val="dk1"/>
+          </a:effectRef>
+          <a:fontRef idx="minor">
+            <a:schemeClr val="tx1"/>
+          </a:fontRef>
+        </p:style>
+      </p:cxnSp>
+      <p:cxnSp>
+        <p:nvCxnSpPr>
+          <p:cNvPr id="47" name="Straight Connector 46">
+            <a:extLst>
+              <a:ext uri="{FF2B5EF4-FFF2-40B4-BE49-F238E27FC236}">
+                <a16:creationId xmlns:a16="http://schemas.microsoft.com/office/drawing/2014/main" id="{94802BB6-3DC5-4D3A-B06F-1D7214FD8348}"/>
+              </a:ext>
+            </a:extLst>
+          </p:cNvPr>
+          <p:cNvCxnSpPr/>
+          <p:nvPr/>
+        </p:nvCxnSpPr>
+        <p:spPr>
+          <a:xfrm flipH="1">
+            <a:off x="7493577" y="2209800"/>
+            <a:ext cx="127025" cy="72125"/>
+          </a:xfrm>
+          <a:prstGeom prst="line">
+            <a:avLst/>
+          </a:prstGeom>
+        </p:spPr>
+        <p:style>
+          <a:lnRef idx="1">
+            <a:schemeClr val="dk1"/>
+          </a:lnRef>
+          <a:fillRef idx="0">
+            <a:schemeClr val="dk1"/>
+          </a:fillRef>
+          <a:effectRef idx="0">
+            <a:schemeClr val="dk1"/>
+          </a:effectRef>
+          <a:fontRef idx="minor">
+            <a:schemeClr val="tx1"/>
+          </a:fontRef>
+        </p:style>
+      </p:cxnSp>
+      <p:cxnSp>
+        <p:nvCxnSpPr>
+          <p:cNvPr id="49" name="Straight Connector 48">
+            <a:extLst>
+              <a:ext uri="{FF2B5EF4-FFF2-40B4-BE49-F238E27FC236}">
+                <a16:creationId xmlns:a16="http://schemas.microsoft.com/office/drawing/2014/main" id="{D8E10AE7-A900-40E5-BEBD-D5F91741711B}"/>
+              </a:ext>
+            </a:extLst>
+          </p:cNvPr>
+          <p:cNvCxnSpPr/>
+          <p:nvPr/>
+        </p:nvCxnSpPr>
+        <p:spPr>
+          <a:xfrm>
+            <a:off x="7493577" y="2281925"/>
+            <a:ext cx="127021" cy="58837"/>
+          </a:xfrm>
+          <a:prstGeom prst="line">
+            <a:avLst/>
+          </a:prstGeom>
+        </p:spPr>
+        <p:style>
+          <a:lnRef idx="1">
+            <a:schemeClr val="dk1"/>
+          </a:lnRef>
+          <a:fillRef idx="0">
+            <a:schemeClr val="dk1"/>
+          </a:fillRef>
+          <a:effectRef idx="0">
+            <a:schemeClr val="dk1"/>
+          </a:effectRef>
+          <a:fontRef idx="minor">
+            <a:schemeClr val="tx1"/>
+          </a:fontRef>
+        </p:style>
+      </p:cxnSp>
+      <p:cxnSp>
+        <p:nvCxnSpPr>
+          <p:cNvPr id="121" name="Straight Connector 120">
+            <a:extLst>
+              <a:ext uri="{FF2B5EF4-FFF2-40B4-BE49-F238E27FC236}">
+                <a16:creationId xmlns:a16="http://schemas.microsoft.com/office/drawing/2014/main" id="{EB436709-E826-4D1B-9A17-9BB7D2B40C8A}"/>
+              </a:ext>
+            </a:extLst>
+          </p:cNvPr>
+          <p:cNvCxnSpPr/>
+          <p:nvPr/>
+        </p:nvCxnSpPr>
+        <p:spPr>
+          <a:xfrm flipH="1">
+            <a:off x="7617175" y="631976"/>
+            <a:ext cx="127025" cy="72125"/>
+          </a:xfrm>
+          <a:prstGeom prst="line">
+            <a:avLst/>
+          </a:prstGeom>
+        </p:spPr>
+        <p:style>
+          <a:lnRef idx="1">
+            <a:schemeClr val="dk1"/>
+          </a:lnRef>
+          <a:fillRef idx="0">
+            <a:schemeClr val="dk1"/>
+          </a:fillRef>
+          <a:effectRef idx="0">
+            <a:schemeClr val="dk1"/>
+          </a:effectRef>
+          <a:fontRef idx="minor">
+            <a:schemeClr val="tx1"/>
+          </a:fontRef>
+        </p:style>
+      </p:cxnSp>
+      <p:cxnSp>
+        <p:nvCxnSpPr>
+          <p:cNvPr id="122" name="Straight Connector 121">
+            <a:extLst>
+              <a:ext uri="{FF2B5EF4-FFF2-40B4-BE49-F238E27FC236}">
+                <a16:creationId xmlns:a16="http://schemas.microsoft.com/office/drawing/2014/main" id="{58F72680-9E9A-4B34-8AC9-ED77B03513EE}"/>
+              </a:ext>
+            </a:extLst>
+          </p:cNvPr>
+          <p:cNvCxnSpPr/>
+          <p:nvPr/>
+        </p:nvCxnSpPr>
+        <p:spPr>
+          <a:xfrm>
+            <a:off x="7617175" y="704101"/>
+            <a:ext cx="127021" cy="58837"/>
+          </a:xfrm>
+          <a:prstGeom prst="line">
+            <a:avLst/>
+          </a:prstGeom>
+        </p:spPr>
+        <p:style>
+          <a:lnRef idx="1">
+            <a:schemeClr val="dk1"/>
+          </a:lnRef>
+          <a:fillRef idx="0">
+            <a:schemeClr val="dk1"/>
+          </a:fillRef>
+          <a:effectRef idx="0">
+            <a:schemeClr val="dk1"/>
+          </a:effectRef>
+          <a:fontRef idx="minor">
+            <a:schemeClr val="tx1"/>
+          </a:fontRef>
+        </p:style>
+      </p:cxnSp>
+      <p:sp>
+        <p:nvSpPr>
+          <p:cNvPr id="53" name="Flowchart: Connector 52">
+            <a:extLst>
+              <a:ext uri="{FF2B5EF4-FFF2-40B4-BE49-F238E27FC236}">
+                <a16:creationId xmlns:a16="http://schemas.microsoft.com/office/drawing/2014/main" id="{85AC55EF-DB2A-496B-8062-FFC330AAE388}"/>
+              </a:ext>
+            </a:extLst>
+          </p:cNvPr>
+          <p:cNvSpPr/>
+          <p:nvPr/>
+        </p:nvSpPr>
+        <p:spPr>
+          <a:xfrm>
+            <a:off x="1666045" y="731230"/>
+            <a:ext cx="91440" cy="91440"/>
+          </a:xfrm>
+          <a:prstGeom prst="flowChartConnector">
+            <a:avLst/>
+          </a:prstGeom>
+          <a:noFill/>
+        </p:spPr>
+        <p:style>
+          <a:lnRef idx="2">
+            <a:schemeClr val="dk1"/>
+          </a:lnRef>
+          <a:fillRef idx="1">
+            <a:schemeClr val="lt1"/>
+          </a:fillRef>
+          <a:effectRef idx="0">
+            <a:schemeClr val="dk1"/>
+          </a:effectRef>
+          <a:fontRef idx="minor">
+            <a:schemeClr val="dk1"/>
+          </a:fontRef>
+        </p:style>
+        <p:txBody>
+          <a:bodyPr rtlCol="0" anchor="ctr"/>
+          <a:lstStyle/>
+          <a:p>
+            <a:pPr algn="ctr"/>
+            <a:endParaRPr lang="en-US"/>
+          </a:p>
+        </p:txBody>
+      </p:sp>
+      <p:sp>
+        <p:nvSpPr>
+          <p:cNvPr id="124" name="Flowchart: Connector 123">
+            <a:extLst>
+              <a:ext uri="{FF2B5EF4-FFF2-40B4-BE49-F238E27FC236}">
+                <a16:creationId xmlns:a16="http://schemas.microsoft.com/office/drawing/2014/main" id="{515D8BC6-D4CB-45E5-809A-AEAD70935C8C}"/>
+              </a:ext>
+            </a:extLst>
+          </p:cNvPr>
+          <p:cNvSpPr/>
+          <p:nvPr/>
+        </p:nvSpPr>
+        <p:spPr>
+          <a:xfrm>
+            <a:off x="1807247" y="2525950"/>
+            <a:ext cx="91440" cy="91440"/>
+          </a:xfrm>
+          <a:prstGeom prst="flowChartConnector">
+            <a:avLst/>
+          </a:prstGeom>
+          <a:noFill/>
+        </p:spPr>
+        <p:style>
+          <a:lnRef idx="2">
+            <a:schemeClr val="dk1"/>
+          </a:lnRef>
+          <a:fillRef idx="1">
+            <a:schemeClr val="lt1"/>
+          </a:fillRef>
+          <a:effectRef idx="0">
+            <a:schemeClr val="dk1"/>
+          </a:effectRef>
+          <a:fontRef idx="minor">
+            <a:schemeClr val="dk1"/>
+          </a:fontRef>
+        </p:style>
+        <p:txBody>
+          <a:bodyPr rtlCol="0" anchor="ctr"/>
+          <a:lstStyle/>
+          <a:p>
+            <a:pPr algn="ctr"/>
+            <a:endParaRPr lang="en-US"/>
+          </a:p>
+        </p:txBody>
+      </p:sp>
+      <p:sp>
+        <p:nvSpPr>
+          <p:cNvPr id="125" name="Flowchart: Connector 124">
+            <a:extLst>
+              <a:ext uri="{FF2B5EF4-FFF2-40B4-BE49-F238E27FC236}">
+                <a16:creationId xmlns:a16="http://schemas.microsoft.com/office/drawing/2014/main" id="{6E27B81E-F4F7-4EFC-B42A-F30EE2C53D06}"/>
+              </a:ext>
+            </a:extLst>
+          </p:cNvPr>
+          <p:cNvSpPr/>
+          <p:nvPr/>
+        </p:nvSpPr>
+        <p:spPr>
+          <a:xfrm>
+            <a:off x="2811188" y="3016668"/>
+            <a:ext cx="91440" cy="91440"/>
+          </a:xfrm>
+          <a:prstGeom prst="flowChartConnector">
+            <a:avLst/>
+          </a:prstGeom>
+          <a:noFill/>
+        </p:spPr>
+        <p:style>
+          <a:lnRef idx="2">
+            <a:schemeClr val="dk1"/>
+          </a:lnRef>
+          <a:fillRef idx="1">
+            <a:schemeClr val="lt1"/>
+          </a:fillRef>
+          <a:effectRef idx="0">
+            <a:schemeClr val="dk1"/>
+          </a:effectRef>
+          <a:fontRef idx="minor">
+            <a:schemeClr val="dk1"/>
+          </a:fontRef>
+        </p:style>
+        <p:txBody>
+          <a:bodyPr rtlCol="0" anchor="ctr"/>
+          <a:lstStyle/>
+          <a:p>
+            <a:pPr algn="ctr"/>
+            <a:endParaRPr lang="en-US"/>
+          </a:p>
+        </p:txBody>
+      </p:sp>
+      <p:sp>
+        <p:nvSpPr>
+          <p:cNvPr id="126" name="Flowchart: Connector 125">
+            <a:extLst>
+              <a:ext uri="{FF2B5EF4-FFF2-40B4-BE49-F238E27FC236}">
+                <a16:creationId xmlns:a16="http://schemas.microsoft.com/office/drawing/2014/main" id="{17F4AF43-9FAD-4777-844E-FEDB2B29676F}"/>
+              </a:ext>
+            </a:extLst>
+          </p:cNvPr>
+          <p:cNvSpPr/>
+          <p:nvPr/>
+        </p:nvSpPr>
+        <p:spPr>
+          <a:xfrm>
+            <a:off x="4104839" y="3010041"/>
+            <a:ext cx="91440" cy="91440"/>
+          </a:xfrm>
+          <a:prstGeom prst="flowChartConnector">
+            <a:avLst/>
+          </a:prstGeom>
+          <a:noFill/>
+        </p:spPr>
+        <p:style>
+          <a:lnRef idx="2">
+            <a:schemeClr val="dk1"/>
+          </a:lnRef>
+          <a:fillRef idx="1">
+            <a:schemeClr val="lt1"/>
+          </a:fillRef>
+          <a:effectRef idx="0">
+            <a:schemeClr val="dk1"/>
+          </a:effectRef>
+          <a:fontRef idx="minor">
+            <a:schemeClr val="dk1"/>
+          </a:fontRef>
+        </p:style>
+        <p:txBody>
+          <a:bodyPr rtlCol="0" anchor="ctr"/>
+          <a:lstStyle/>
+          <a:p>
+            <a:pPr algn="ctr"/>
+            <a:endParaRPr lang="en-US"/>
+          </a:p>
+        </p:txBody>
+      </p:sp>
+      <p:sp>
+        <p:nvSpPr>
+          <p:cNvPr id="127" name="Flowchart: Connector 126">
+            <a:extLst>
+              <a:ext uri="{FF2B5EF4-FFF2-40B4-BE49-F238E27FC236}">
+                <a16:creationId xmlns:a16="http://schemas.microsoft.com/office/drawing/2014/main" id="{CA8CEA05-2766-4BEC-B024-4DFE146A66CC}"/>
+              </a:ext>
+            </a:extLst>
+          </p:cNvPr>
+          <p:cNvSpPr/>
+          <p:nvPr/>
+        </p:nvSpPr>
+        <p:spPr>
+          <a:xfrm>
+            <a:off x="4871483" y="3028249"/>
+            <a:ext cx="91440" cy="91440"/>
+          </a:xfrm>
+          <a:prstGeom prst="flowChartConnector">
+            <a:avLst/>
+          </a:prstGeom>
+          <a:noFill/>
+        </p:spPr>
+        <p:style>
+          <a:lnRef idx="2">
+            <a:schemeClr val="dk1"/>
+          </a:lnRef>
+          <a:fillRef idx="1">
+            <a:schemeClr val="lt1"/>
+          </a:fillRef>
+          <a:effectRef idx="0">
+            <a:schemeClr val="dk1"/>
+          </a:effectRef>
+          <a:fontRef idx="minor">
+            <a:schemeClr val="dk1"/>
+          </a:fontRef>
+        </p:style>
+        <p:txBody>
+          <a:bodyPr rtlCol="0" anchor="ctr"/>
+          <a:lstStyle/>
+          <a:p>
+            <a:pPr algn="ctr"/>
+            <a:endParaRPr lang="en-US"/>
+          </a:p>
+        </p:txBody>
+      </p:sp>
+      <p:sp>
+        <p:nvSpPr>
+          <p:cNvPr id="128" name="Flowchart: Connector 127">
+            <a:extLst>
+              <a:ext uri="{FF2B5EF4-FFF2-40B4-BE49-F238E27FC236}">
+                <a16:creationId xmlns:a16="http://schemas.microsoft.com/office/drawing/2014/main" id="{E18FD783-7EE7-4246-B457-BF10D9531A79}"/>
+              </a:ext>
+            </a:extLst>
+          </p:cNvPr>
+          <p:cNvSpPr/>
+          <p:nvPr/>
+        </p:nvSpPr>
+        <p:spPr>
+          <a:xfrm>
+            <a:off x="6376597" y="3021885"/>
+            <a:ext cx="91440" cy="91440"/>
+          </a:xfrm>
+          <a:prstGeom prst="flowChartConnector">
+            <a:avLst/>
+          </a:prstGeom>
+          <a:noFill/>
+        </p:spPr>
+        <p:style>
+          <a:lnRef idx="2">
+            <a:schemeClr val="dk1"/>
+          </a:lnRef>
+          <a:fillRef idx="1">
+            <a:schemeClr val="lt1"/>
+          </a:fillRef>
+          <a:effectRef idx="0">
+            <a:schemeClr val="dk1"/>
+          </a:effectRef>
+          <a:fontRef idx="minor">
+            <a:schemeClr val="dk1"/>
+          </a:fontRef>
+        </p:style>
+        <p:txBody>
+          <a:bodyPr rtlCol="0" anchor="ctr"/>
+          <a:lstStyle/>
+          <a:p>
+            <a:pPr algn="ctr"/>
+            <a:endParaRPr lang="en-US"/>
+          </a:p>
+        </p:txBody>
+      </p:sp>
+      <p:sp>
+        <p:nvSpPr>
+          <p:cNvPr id="131" name="Flowchart: Connector 130">
+            <a:extLst>
+              <a:ext uri="{FF2B5EF4-FFF2-40B4-BE49-F238E27FC236}">
+                <a16:creationId xmlns:a16="http://schemas.microsoft.com/office/drawing/2014/main" id="{FB2C5FD7-65D8-4FBE-BCC8-9E552A7CF0EA}"/>
+              </a:ext>
+            </a:extLst>
+          </p:cNvPr>
+          <p:cNvSpPr/>
+          <p:nvPr/>
+        </p:nvSpPr>
+        <p:spPr>
+          <a:xfrm>
+            <a:off x="7409309" y="2236205"/>
+            <a:ext cx="91440" cy="91440"/>
+          </a:xfrm>
+          <a:prstGeom prst="flowChartConnector">
+            <a:avLst/>
+          </a:prstGeom>
+          <a:noFill/>
+        </p:spPr>
+        <p:style>
+          <a:lnRef idx="2">
+            <a:schemeClr val="dk1"/>
+          </a:lnRef>
+          <a:fillRef idx="1">
+            <a:schemeClr val="lt1"/>
+          </a:fillRef>
+          <a:effectRef idx="0">
+            <a:schemeClr val="dk1"/>
+          </a:effectRef>
+          <a:fontRef idx="minor">
+            <a:schemeClr val="dk1"/>
+          </a:fontRef>
+        </p:style>
+        <p:txBody>
+          <a:bodyPr rtlCol="0" anchor="ctr"/>
+          <a:lstStyle/>
+          <a:p>
+            <a:pPr algn="ctr"/>
+            <a:endParaRPr lang="en-US"/>
+          </a:p>
+        </p:txBody>
+      </p:sp>
+      <p:sp>
+        <p:nvSpPr>
+          <p:cNvPr id="132" name="Flowchart: Connector 131">
+            <a:extLst>
+              <a:ext uri="{FF2B5EF4-FFF2-40B4-BE49-F238E27FC236}">
+                <a16:creationId xmlns:a16="http://schemas.microsoft.com/office/drawing/2014/main" id="{9F85FCD5-1023-4E75-AA56-5A60FE2956B1}"/>
+              </a:ext>
+            </a:extLst>
+          </p:cNvPr>
+          <p:cNvSpPr/>
+          <p:nvPr/>
+        </p:nvSpPr>
+        <p:spPr>
+          <a:xfrm>
+            <a:off x="7538110" y="664660"/>
+            <a:ext cx="91440" cy="91440"/>
+          </a:xfrm>
+          <a:prstGeom prst="flowChartConnector">
+            <a:avLst/>
+          </a:prstGeom>
+          <a:noFill/>
+        </p:spPr>
+        <p:style>
+          <a:lnRef idx="2">
+            <a:schemeClr val="dk1"/>
+          </a:lnRef>
+          <a:fillRef idx="1">
+            <a:schemeClr val="lt1"/>
+          </a:fillRef>
+          <a:effectRef idx="0">
+            <a:schemeClr val="dk1"/>
+          </a:effectRef>
+          <a:fontRef idx="minor">
+            <a:schemeClr val="dk1"/>
+          </a:fontRef>
+        </p:style>
+        <p:txBody>
+          <a:bodyPr rtlCol="0" anchor="ctr"/>
+          <a:lstStyle/>
+          <a:p>
+            <a:pPr algn="ctr"/>
+            <a:endParaRPr lang="en-US"/>
+          </a:p>
+        </p:txBody>
+      </p:sp>
+      <p:cxnSp>
+        <p:nvCxnSpPr>
+          <p:cNvPr id="134" name="Straight Connector 133">
+            <a:extLst>
+              <a:ext uri="{FF2B5EF4-FFF2-40B4-BE49-F238E27FC236}">
+                <a16:creationId xmlns:a16="http://schemas.microsoft.com/office/drawing/2014/main" id="{6095FC36-4657-45C0-AFB1-894C20D498E7}"/>
+              </a:ext>
+            </a:extLst>
+          </p:cNvPr>
+          <p:cNvCxnSpPr/>
+          <p:nvPr/>
+        </p:nvCxnSpPr>
+        <p:spPr>
+          <a:xfrm>
+            <a:off x="195525" y="383809"/>
+            <a:ext cx="1318800" cy="0"/>
+          </a:xfrm>
+          <a:prstGeom prst="line">
+            <a:avLst/>
+          </a:prstGeom>
+        </p:spPr>
+        <p:style>
+          <a:lnRef idx="1">
+            <a:schemeClr val="accent1"/>
+          </a:lnRef>
+          <a:fillRef idx="0">
+            <a:schemeClr val="accent1"/>
+          </a:fillRef>
+          <a:effectRef idx="0">
+            <a:schemeClr val="accent1"/>
+          </a:effectRef>
+          <a:fontRef idx="minor">
+            <a:schemeClr val="tx1"/>
+          </a:fontRef>
+        </p:style>
+      </p:cxnSp>
+      <p:cxnSp>
+        <p:nvCxnSpPr>
+          <p:cNvPr id="135" name="Straight Connector 134">
+            <a:extLst>
+              <a:ext uri="{FF2B5EF4-FFF2-40B4-BE49-F238E27FC236}">
+                <a16:creationId xmlns:a16="http://schemas.microsoft.com/office/drawing/2014/main" id="{354B6D3E-4F0B-4BFE-8A19-88D0779A4822}"/>
+              </a:ext>
+            </a:extLst>
+          </p:cNvPr>
+          <p:cNvCxnSpPr>
+            <a:cxnSpLocks/>
+          </p:cNvCxnSpPr>
+          <p:nvPr/>
+        </p:nvCxnSpPr>
+        <p:spPr>
+          <a:xfrm>
+            <a:off x="395350" y="2240561"/>
+            <a:ext cx="1261200" cy="0"/>
+          </a:xfrm>
+          <a:prstGeom prst="line">
+            <a:avLst/>
+          </a:prstGeom>
+        </p:spPr>
+        <p:style>
+          <a:lnRef idx="1">
+            <a:schemeClr val="accent1"/>
+          </a:lnRef>
+          <a:fillRef idx="0">
+            <a:schemeClr val="accent1"/>
+          </a:fillRef>
+          <a:effectRef idx="0">
+            <a:schemeClr val="accent1"/>
+          </a:effectRef>
+          <a:fontRef idx="minor">
+            <a:schemeClr val="tx1"/>
+          </a:fontRef>
+        </p:style>
+      </p:cxnSp>
+      <p:cxnSp>
+        <p:nvCxnSpPr>
+          <p:cNvPr id="137" name="Straight Connector 136">
+            <a:extLst>
+              <a:ext uri="{FF2B5EF4-FFF2-40B4-BE49-F238E27FC236}">
+                <a16:creationId xmlns:a16="http://schemas.microsoft.com/office/drawing/2014/main" id="{D62E2A94-C0B6-45D3-902A-27BCFD307B79}"/>
+              </a:ext>
+            </a:extLst>
+          </p:cNvPr>
+          <p:cNvCxnSpPr>
+            <a:cxnSpLocks/>
+          </p:cNvCxnSpPr>
+          <p:nvPr/>
+        </p:nvCxnSpPr>
+        <p:spPr>
+          <a:xfrm>
+            <a:off x="1759950" y="3471750"/>
+            <a:ext cx="1344000" cy="0"/>
+          </a:xfrm>
+          <a:prstGeom prst="line">
+            <a:avLst/>
+          </a:prstGeom>
+        </p:spPr>
+        <p:style>
+          <a:lnRef idx="1">
+            <a:schemeClr val="accent1"/>
+          </a:lnRef>
+          <a:fillRef idx="0">
+            <a:schemeClr val="accent1"/>
+          </a:fillRef>
+          <a:effectRef idx="0">
+            <a:schemeClr val="accent1"/>
+          </a:effectRef>
+          <a:fontRef idx="minor">
+            <a:schemeClr val="tx1"/>
+          </a:fontRef>
+        </p:style>
+      </p:cxnSp>
+      <p:cxnSp>
+        <p:nvCxnSpPr>
+          <p:cNvPr id="139" name="Straight Connector 138">
+            <a:extLst>
+              <a:ext uri="{FF2B5EF4-FFF2-40B4-BE49-F238E27FC236}">
+                <a16:creationId xmlns:a16="http://schemas.microsoft.com/office/drawing/2014/main" id="{95094132-6996-48CB-B982-5F95C27EBE6E}"/>
+              </a:ext>
+            </a:extLst>
+          </p:cNvPr>
+          <p:cNvCxnSpPr>
+            <a:cxnSpLocks/>
+          </p:cNvCxnSpPr>
+          <p:nvPr/>
+        </p:nvCxnSpPr>
+        <p:spPr>
+          <a:xfrm>
+            <a:off x="3206775" y="3481842"/>
+            <a:ext cx="1344000" cy="0"/>
+          </a:xfrm>
+          <a:prstGeom prst="line">
+            <a:avLst/>
+          </a:prstGeom>
+        </p:spPr>
+        <p:style>
+          <a:lnRef idx="1">
+            <a:schemeClr val="accent1"/>
+          </a:lnRef>
+          <a:fillRef idx="0">
+            <a:schemeClr val="accent1"/>
+          </a:fillRef>
+          <a:effectRef idx="0">
+            <a:schemeClr val="accent1"/>
+          </a:effectRef>
+          <a:fontRef idx="minor">
+            <a:schemeClr val="tx1"/>
+          </a:fontRef>
+        </p:style>
+      </p:cxnSp>
+      <p:cxnSp>
+        <p:nvCxnSpPr>
+          <p:cNvPr id="140" name="Straight Connector 139">
+            <a:extLst>
+              <a:ext uri="{FF2B5EF4-FFF2-40B4-BE49-F238E27FC236}">
+                <a16:creationId xmlns:a16="http://schemas.microsoft.com/office/drawing/2014/main" id="{5225B9EA-2EEA-4833-BD9C-8FCA42EC76CF}"/>
+              </a:ext>
+            </a:extLst>
+          </p:cNvPr>
+          <p:cNvCxnSpPr>
+            <a:cxnSpLocks/>
+          </p:cNvCxnSpPr>
+          <p:nvPr/>
+        </p:nvCxnSpPr>
+        <p:spPr>
+          <a:xfrm>
+            <a:off x="4659811" y="3492706"/>
+            <a:ext cx="1344000" cy="0"/>
+          </a:xfrm>
+          <a:prstGeom prst="line">
+            <a:avLst/>
+          </a:prstGeom>
+        </p:spPr>
+        <p:style>
+          <a:lnRef idx="1">
+            <a:schemeClr val="accent1"/>
+          </a:lnRef>
+          <a:fillRef idx="0">
+            <a:schemeClr val="accent1"/>
+          </a:fillRef>
+          <a:effectRef idx="0">
+            <a:schemeClr val="accent1"/>
+          </a:effectRef>
+          <a:fontRef idx="minor">
+            <a:schemeClr val="tx1"/>
+          </a:fontRef>
+        </p:style>
+      </p:cxnSp>
+      <p:cxnSp>
+        <p:nvCxnSpPr>
+          <p:cNvPr id="141" name="Straight Connector 140">
+            <a:extLst>
+              <a:ext uri="{FF2B5EF4-FFF2-40B4-BE49-F238E27FC236}">
+                <a16:creationId xmlns:a16="http://schemas.microsoft.com/office/drawing/2014/main" id="{28DC2E11-5505-42B6-BFE2-D34391EFA33D}"/>
+              </a:ext>
+            </a:extLst>
+          </p:cNvPr>
+          <p:cNvCxnSpPr>
+            <a:cxnSpLocks/>
+          </p:cNvCxnSpPr>
+          <p:nvPr/>
+        </p:nvCxnSpPr>
+        <p:spPr>
+          <a:xfrm>
+            <a:off x="6144525" y="3481842"/>
+            <a:ext cx="1344000" cy="0"/>
+          </a:xfrm>
+          <a:prstGeom prst="line">
+            <a:avLst/>
+          </a:prstGeom>
+        </p:spPr>
+        <p:style>
+          <a:lnRef idx="1">
+            <a:schemeClr val="accent1"/>
+          </a:lnRef>
+          <a:fillRef idx="0">
+            <a:schemeClr val="accent1"/>
+          </a:fillRef>
+          <a:effectRef idx="0">
+            <a:schemeClr val="accent1"/>
+          </a:effectRef>
+          <a:fontRef idx="minor">
+            <a:schemeClr val="tx1"/>
+          </a:fontRef>
+        </p:style>
+      </p:cxnSp>
+      <p:cxnSp>
+        <p:nvCxnSpPr>
+          <p:cNvPr id="142" name="Straight Connector 141">
+            <a:extLst>
+              <a:ext uri="{FF2B5EF4-FFF2-40B4-BE49-F238E27FC236}">
+                <a16:creationId xmlns:a16="http://schemas.microsoft.com/office/drawing/2014/main" id="{F6F80ABC-EA00-4635-8FE7-62FB461B69DC}"/>
+              </a:ext>
+            </a:extLst>
+          </p:cNvPr>
+          <p:cNvCxnSpPr>
+            <a:cxnSpLocks/>
+          </p:cNvCxnSpPr>
+          <p:nvPr/>
+        </p:nvCxnSpPr>
+        <p:spPr>
+          <a:xfrm>
+            <a:off x="7629550" y="2217251"/>
+            <a:ext cx="1344000" cy="0"/>
+          </a:xfrm>
+          <a:prstGeom prst="line">
+            <a:avLst/>
+          </a:prstGeom>
+        </p:spPr>
+        <p:style>
+          <a:lnRef idx="1">
+            <a:schemeClr val="accent1"/>
+          </a:lnRef>
+          <a:fillRef idx="0">
+            <a:schemeClr val="accent1"/>
+          </a:fillRef>
+          <a:effectRef idx="0">
+            <a:schemeClr val="accent1"/>
+          </a:effectRef>
+          <a:fontRef idx="minor">
+            <a:schemeClr val="tx1"/>
+          </a:fontRef>
+        </p:style>
+      </p:cxnSp>
+      <p:cxnSp>
+        <p:nvCxnSpPr>
+          <p:cNvPr id="143" name="Straight Connector 142">
+            <a:extLst>
+              <a:ext uri="{FF2B5EF4-FFF2-40B4-BE49-F238E27FC236}">
+                <a16:creationId xmlns:a16="http://schemas.microsoft.com/office/drawing/2014/main" id="{BC43A2AA-D6A6-4615-9788-63F00D0B06C2}"/>
+              </a:ext>
+            </a:extLst>
+          </p:cNvPr>
+          <p:cNvCxnSpPr>
+            <a:cxnSpLocks/>
+          </p:cNvCxnSpPr>
+          <p:nvPr/>
+        </p:nvCxnSpPr>
+        <p:spPr>
+          <a:xfrm>
+            <a:off x="7744196" y="393902"/>
+            <a:ext cx="1329654" cy="0"/>
+          </a:xfrm>
+          <a:prstGeom prst="line">
+            <a:avLst/>
+          </a:prstGeom>
+        </p:spPr>
+        <p:style>
+          <a:lnRef idx="1">
+            <a:schemeClr val="accent1"/>
+          </a:lnRef>
+          <a:fillRef idx="0">
+            <a:schemeClr val="accent1"/>
+          </a:fillRef>
+          <a:effectRef idx="0">
+            <a:schemeClr val="accent1"/>
+          </a:effectRef>
+          <a:fontRef idx="minor">
+            <a:schemeClr val="tx1"/>
+          </a:fontRef>
+        </p:style>
+      </p:cxnSp>
+      <p:cxnSp>
+        <p:nvCxnSpPr>
+          <p:cNvPr id="145" name="Straight Connector 144">
+            <a:extLst>
+              <a:ext uri="{FF2B5EF4-FFF2-40B4-BE49-F238E27FC236}">
+                <a16:creationId xmlns:a16="http://schemas.microsoft.com/office/drawing/2014/main" id="{C5C5A86F-25BC-4619-A8A0-B19885F833DF}"/>
+              </a:ext>
+            </a:extLst>
+          </p:cNvPr>
+          <p:cNvCxnSpPr>
+            <a:cxnSpLocks/>
+          </p:cNvCxnSpPr>
+          <p:nvPr/>
+        </p:nvCxnSpPr>
+        <p:spPr>
+          <a:xfrm>
+            <a:off x="3496973" y="357616"/>
+            <a:ext cx="1904700" cy="0"/>
+          </a:xfrm>
+          <a:prstGeom prst="line">
+            <a:avLst/>
+          </a:prstGeom>
+        </p:spPr>
+        <p:style>
+          <a:lnRef idx="1">
+            <a:schemeClr val="accent1"/>
+          </a:lnRef>
+          <a:fillRef idx="0">
+            <a:schemeClr val="accent1"/>
+          </a:fillRef>
+          <a:effectRef idx="0">
+            <a:schemeClr val="accent1"/>
+          </a:effectRef>
+          <a:fontRef idx="minor">
+            <a:schemeClr val="tx1"/>
+          </a:fontRef>
+        </p:style>
+      </p:cxnSp>
     </p:spTree>
   </p:cSld>
   <p:clrMapOvr>
@@ -7757,7 +9745,7 @@
         </p:nvSpPr>
         <p:spPr>
           <a:xfrm>
-            <a:off x="584797" y="1057800"/>
+            <a:off x="584797" y="985230"/>
             <a:ext cx="1494600" cy="560100"/>
           </a:xfrm>
           <a:prstGeom prst="rect">
@@ -7812,7 +9800,7 @@
         </p:nvSpPr>
         <p:spPr>
           <a:xfrm>
-            <a:off x="607667" y="1458193"/>
+            <a:off x="600765" y="1315041"/>
             <a:ext cx="1535700" cy="2028300"/>
           </a:xfrm>
           <a:prstGeom prst="rect">
@@ -7829,6 +9817,13 @@
           </a:bodyPr>
           <a:lstStyle/>
           <a:p>
+            <a:r>
+              <a:rPr lang="en-US" sz="1000" dirty="0" err="1"/>
+              <a:t>clientid</a:t>
+            </a:r>
+            <a:endParaRPr lang="en" sz="1000" dirty="0"/>
+          </a:p>
+          <a:p>
             <a:pPr marL="0" lvl="0" indent="0" algn="l" rtl="0">
               <a:spcBef>
                 <a:spcPts val="0"/>
@@ -7839,10 +9834,10 @@
               <a:buNone/>
             </a:pPr>
             <a:r>
-              <a:rPr lang="en" sz="1000"/>
+              <a:rPr lang="en" sz="1000" dirty="0"/>
               <a:t>customerName</a:t>
             </a:r>
-            <a:endParaRPr sz="1000"/>
+            <a:endParaRPr sz="1000" dirty="0"/>
           </a:p>
           <a:p>
             <a:pPr marL="0" lvl="0" indent="0" algn="l" rtl="0">
@@ -7855,10 +9850,10 @@
               <a:buNone/>
             </a:pPr>
             <a:r>
-              <a:rPr lang="en" sz="1000"/>
+              <a:rPr lang="en" sz="1000" dirty="0"/>
               <a:t>Date</a:t>
             </a:r>
-            <a:endParaRPr sz="1000"/>
+            <a:endParaRPr sz="1000" dirty="0"/>
           </a:p>
           <a:p>
             <a:pPr marL="0" lvl="0" indent="0" algn="l" rtl="0">
@@ -7871,10 +9866,10 @@
               <a:buNone/>
             </a:pPr>
             <a:r>
-              <a:rPr lang="en" sz="1000"/>
+              <a:rPr lang="en" sz="1000" dirty="0"/>
               <a:t>Discount</a:t>
             </a:r>
-            <a:endParaRPr sz="1000"/>
+            <a:endParaRPr sz="1000" dirty="0"/>
           </a:p>
           <a:p>
             <a:pPr marL="0" lvl="0" indent="0" algn="l" rtl="0">
@@ -7887,10 +9882,10 @@
               <a:buNone/>
             </a:pPr>
             <a:r>
-              <a:rPr lang="en" sz="1000"/>
+              <a:rPr lang="en" sz="1000" dirty="0"/>
               <a:t>orderItems</a:t>
             </a:r>
-            <a:endParaRPr sz="1000"/>
+            <a:endParaRPr sz="1000" dirty="0"/>
           </a:p>
           <a:p>
             <a:pPr marL="0" lvl="0" indent="0" algn="l" rtl="0">
@@ -7903,10 +9898,10 @@
               <a:buNone/>
             </a:pPr>
             <a:r>
-              <a:rPr lang="en" sz="1000"/>
+              <a:rPr lang="en" sz="1000" dirty="0"/>
               <a:t>orderNumber</a:t>
             </a:r>
-            <a:endParaRPr sz="1000"/>
+            <a:endParaRPr sz="1000" dirty="0"/>
           </a:p>
           <a:p>
             <a:pPr marL="0" lvl="0" indent="0" algn="l" rtl="0">
@@ -7919,10 +9914,10 @@
               <a:buNone/>
             </a:pPr>
             <a:r>
-              <a:rPr lang="en" sz="1000"/>
+              <a:rPr lang="en" sz="1000" dirty="0"/>
               <a:t>orderType</a:t>
             </a:r>
-            <a:endParaRPr sz="1000"/>
+            <a:endParaRPr sz="1000" dirty="0"/>
           </a:p>
           <a:p>
             <a:pPr marL="0" lvl="0" indent="0" algn="l" rtl="0">
@@ -7935,10 +9930,10 @@
               <a:buNone/>
             </a:pPr>
             <a:r>
-              <a:rPr lang="en" sz="1000"/>
+              <a:rPr lang="en" sz="1000" dirty="0"/>
               <a:t>Subtotal</a:t>
             </a:r>
-            <a:endParaRPr sz="1000"/>
+            <a:endParaRPr sz="1000" dirty="0"/>
           </a:p>
           <a:p>
             <a:pPr marL="0" lvl="0" indent="0" algn="l" rtl="0">
@@ -7951,10 +9946,10 @@
               <a:buNone/>
             </a:pPr>
             <a:r>
-              <a:rPr lang="en" sz="1000"/>
+              <a:rPr lang="en" sz="1000" dirty="0"/>
               <a:t>Time</a:t>
             </a:r>
-            <a:endParaRPr sz="1000"/>
+            <a:endParaRPr sz="1000" dirty="0"/>
           </a:p>
           <a:p>
             <a:pPr marL="0" lvl="0" indent="0" algn="l" rtl="0">
@@ -7967,10 +9962,10 @@
               <a:buNone/>
             </a:pPr>
             <a:r>
-              <a:rPr lang="en" sz="1000"/>
+              <a:rPr lang="en" sz="1000" dirty="0"/>
               <a:t>totalDue</a:t>
             </a:r>
-            <a:endParaRPr sz="1000"/>
+            <a:endParaRPr sz="1000" dirty="0"/>
           </a:p>
         </p:txBody>
       </p:sp>
@@ -7986,12 +9981,12 @@
         </p:nvCxnSpPr>
         <p:spPr>
           <a:xfrm rot="10800000" flipH="1" flipV="1">
-            <a:off x="607667" y="2472343"/>
-            <a:ext cx="185330" cy="1995946"/>
+            <a:off x="600765" y="2329190"/>
+            <a:ext cx="192232" cy="2084581"/>
           </a:xfrm>
           <a:prstGeom prst="bentConnector3">
             <a:avLst>
-              <a:gd name="adj1" fmla="val -123348"/>
+              <a:gd name="adj1" fmla="val -118919"/>
             </a:avLst>
           </a:prstGeom>
           <a:noFill/>
@@ -8062,7 +10057,7 @@
         </p:nvSpPr>
         <p:spPr>
           <a:xfrm>
-            <a:off x="785912" y="3609856"/>
+            <a:off x="785912" y="3515515"/>
             <a:ext cx="1085400" cy="381900"/>
           </a:xfrm>
           <a:prstGeom prst="rect">
@@ -8117,7 +10112,7 @@
         </p:nvSpPr>
         <p:spPr>
           <a:xfrm>
-            <a:off x="792997" y="3852839"/>
+            <a:off x="792997" y="3798322"/>
             <a:ext cx="1078200" cy="1230900"/>
           </a:xfrm>
           <a:prstGeom prst="rect">
@@ -8144,10 +10139,10 @@
               <a:buNone/>
             </a:pPr>
             <a:r>
-              <a:rPr lang="en" sz="1000"/>
+              <a:rPr lang="en" sz="1000" dirty="0"/>
               <a:t>itemName</a:t>
             </a:r>
-            <a:endParaRPr sz="1000"/>
+            <a:endParaRPr sz="1000" dirty="0"/>
           </a:p>
         </p:txBody>
       </p:sp>
@@ -8207,7 +10202,7 @@
         </p:nvSpPr>
         <p:spPr>
           <a:xfrm>
-            <a:off x="2206158" y="3609856"/>
+            <a:off x="2206158" y="3508258"/>
             <a:ext cx="1085400" cy="381900"/>
           </a:xfrm>
           <a:prstGeom prst="rect">
@@ -8237,7 +10232,7 @@
               <a:buNone/>
             </a:pPr>
             <a:r>
-              <a:rPr lang="en" sz="1200" b="1">
+              <a:rPr lang="en" sz="1200" b="1" dirty="0">
                 <a:latin typeface="Cambria"/>
                 <a:ea typeface="Cambria"/>
                 <a:cs typeface="Cambria"/>
@@ -8245,7 +10240,7 @@
               </a:rPr>
               <a:t>itemName</a:t>
             </a:r>
-            <a:endParaRPr sz="1200" b="1">
+            <a:endParaRPr sz="1200" b="1" dirty="0">
               <a:latin typeface="Cambria"/>
               <a:ea typeface="Cambria"/>
               <a:cs typeface="Cambria"/>
@@ -8262,7 +10257,7 @@
         </p:nvSpPr>
         <p:spPr>
           <a:xfrm>
-            <a:off x="2213242" y="3852830"/>
+            <a:off x="2213242" y="3797659"/>
             <a:ext cx="1078200" cy="678900"/>
           </a:xfrm>
           <a:prstGeom prst="rect">
@@ -8289,10 +10284,10 @@
               <a:buNone/>
             </a:pPr>
             <a:r>
-              <a:rPr lang="en" sz="1000"/>
+              <a:rPr lang="en" sz="1000" dirty="0"/>
               <a:t>Quantity</a:t>
             </a:r>
-            <a:endParaRPr sz="1000"/>
+            <a:endParaRPr sz="1000" dirty="0"/>
           </a:p>
           <a:p>
             <a:pPr marL="0" lvl="0" indent="0" algn="l" rtl="0">
@@ -8305,10 +10300,10 @@
               <a:buNone/>
             </a:pPr>
             <a:r>
-              <a:rPr lang="en" sz="1000"/>
+              <a:rPr lang="en" sz="1000" dirty="0"/>
               <a:t>comments</a:t>
             </a:r>
-            <a:endParaRPr sz="1000"/>
+            <a:endParaRPr sz="1000" dirty="0"/>
           </a:p>
         </p:txBody>
       </p:sp>
@@ -8322,7 +10317,7 @@
         </p:nvCxnSpPr>
         <p:spPr>
           <a:xfrm>
-            <a:off x="1871242" y="4005980"/>
+            <a:off x="1871242" y="3950809"/>
             <a:ext cx="342000" cy="186300"/>
           </a:xfrm>
           <a:prstGeom prst="bentConnector3">
@@ -8352,7 +10347,7 @@
         </p:nvCxnSpPr>
         <p:spPr>
           <a:xfrm rot="5400000">
-            <a:off x="829147" y="502950"/>
+            <a:off x="829147" y="430380"/>
             <a:ext cx="1057800" cy="51900"/>
           </a:xfrm>
           <a:prstGeom prst="bentConnector3">
@@ -8570,7 +10565,7 @@
         </p:nvSpPr>
         <p:spPr>
           <a:xfrm>
-            <a:off x="4598400" y="1229826"/>
+            <a:off x="4589759" y="939107"/>
             <a:ext cx="1358100" cy="1003200"/>
           </a:xfrm>
           <a:prstGeom prst="rect">
@@ -8586,6 +10581,13 @@
             <a:noAutofit/>
           </a:bodyPr>
           <a:lstStyle/>
+          <a:p>
+            <a:r>
+              <a:rPr lang="en-US" sz="1000" dirty="0" err="1"/>
+              <a:t>clientid</a:t>
+            </a:r>
+            <a:endParaRPr lang="en" sz="1000" dirty="0"/>
+          </a:p>
           <a:p>
             <a:pPr marL="0" marR="0" lvl="0" indent="0" algn="l" rtl="0">
               <a:lnSpc>
@@ -8753,7 +10755,7 @@
         </p:nvSpPr>
         <p:spPr>
           <a:xfrm>
-            <a:off x="4589760" y="694344"/>
+            <a:off x="4589760" y="614517"/>
             <a:ext cx="1358099" cy="307777"/>
           </a:xfrm>
           <a:prstGeom prst="rect">
@@ -8940,7 +10942,7 @@
         </p:nvSpPr>
         <p:spPr>
           <a:xfrm>
-            <a:off x="6527579" y="1229826"/>
+            <a:off x="6518938" y="939107"/>
             <a:ext cx="1358100" cy="1003200"/>
           </a:xfrm>
           <a:prstGeom prst="rect">
@@ -9009,7 +11011,7 @@
         </p:nvSpPr>
         <p:spPr>
           <a:xfrm>
-            <a:off x="6518939" y="694344"/>
+            <a:off x="6518939" y="614517"/>
             <a:ext cx="1358099" cy="276999"/>
           </a:xfrm>
           <a:prstGeom prst="rect">
@@ -9086,6 +11088,435 @@
           </a:fillRef>
           <a:effectRef idx="0">
             <a:schemeClr val="dk1"/>
+          </a:effectRef>
+          <a:fontRef idx="minor">
+            <a:schemeClr val="tx1"/>
+          </a:fontRef>
+        </p:style>
+      </p:cxnSp>
+      <p:cxnSp>
+        <p:nvCxnSpPr>
+          <p:cNvPr id="30" name="Straight Connector 29">
+            <a:extLst>
+              <a:ext uri="{FF2B5EF4-FFF2-40B4-BE49-F238E27FC236}">
+                <a16:creationId xmlns:a16="http://schemas.microsoft.com/office/drawing/2014/main" id="{B2A5E8E3-A418-4CD3-A84F-0403C7A40B6C}"/>
+              </a:ext>
+            </a:extLst>
+          </p:cNvPr>
+          <p:cNvCxnSpPr/>
+          <p:nvPr/>
+        </p:nvCxnSpPr>
+        <p:spPr>
+          <a:xfrm flipH="1">
+            <a:off x="1263746" y="904975"/>
+            <a:ext cx="73778" cy="152825"/>
+          </a:xfrm>
+          <a:prstGeom prst="line">
+            <a:avLst/>
+          </a:prstGeom>
+        </p:spPr>
+        <p:style>
+          <a:lnRef idx="1">
+            <a:schemeClr val="dk1"/>
+          </a:lnRef>
+          <a:fillRef idx="0">
+            <a:schemeClr val="dk1"/>
+          </a:fillRef>
+          <a:effectRef idx="0">
+            <a:schemeClr val="dk1"/>
+          </a:effectRef>
+          <a:fontRef idx="minor">
+            <a:schemeClr val="tx1"/>
+          </a:fontRef>
+        </p:style>
+      </p:cxnSp>
+      <p:cxnSp>
+        <p:nvCxnSpPr>
+          <p:cNvPr id="31" name="Straight Connector 30">
+            <a:extLst>
+              <a:ext uri="{FF2B5EF4-FFF2-40B4-BE49-F238E27FC236}">
+                <a16:creationId xmlns:a16="http://schemas.microsoft.com/office/drawing/2014/main" id="{50574FBA-4DA1-434A-87E3-B3FC236EC968}"/>
+              </a:ext>
+            </a:extLst>
+          </p:cNvPr>
+          <p:cNvCxnSpPr/>
+          <p:nvPr/>
+        </p:nvCxnSpPr>
+        <p:spPr>
+          <a:xfrm>
+            <a:off x="1337524" y="904975"/>
+            <a:ext cx="64335" cy="152825"/>
+          </a:xfrm>
+          <a:prstGeom prst="line">
+            <a:avLst/>
+          </a:prstGeom>
+        </p:spPr>
+        <p:style>
+          <a:lnRef idx="1">
+            <a:schemeClr val="dk1"/>
+          </a:lnRef>
+          <a:fillRef idx="0">
+            <a:schemeClr val="dk1"/>
+          </a:fillRef>
+          <a:effectRef idx="0">
+            <a:schemeClr val="dk1"/>
+          </a:effectRef>
+          <a:fontRef idx="minor">
+            <a:schemeClr val="tx1"/>
+          </a:fontRef>
+        </p:style>
+      </p:cxnSp>
+      <p:sp>
+        <p:nvSpPr>
+          <p:cNvPr id="32" name="Flowchart: Connector 31">
+            <a:extLst>
+              <a:ext uri="{FF2B5EF4-FFF2-40B4-BE49-F238E27FC236}">
+                <a16:creationId xmlns:a16="http://schemas.microsoft.com/office/drawing/2014/main" id="{A65E82FD-08B1-4CE4-9B68-429FA8BC4C12}"/>
+              </a:ext>
+            </a:extLst>
+          </p:cNvPr>
+          <p:cNvSpPr/>
+          <p:nvPr/>
+        </p:nvSpPr>
+        <p:spPr>
+          <a:xfrm>
+            <a:off x="1293634" y="830255"/>
+            <a:ext cx="91440" cy="91440"/>
+          </a:xfrm>
+          <a:prstGeom prst="flowChartConnector">
+            <a:avLst/>
+          </a:prstGeom>
+          <a:noFill/>
+        </p:spPr>
+        <p:style>
+          <a:lnRef idx="2">
+            <a:schemeClr val="dk1"/>
+          </a:lnRef>
+          <a:fillRef idx="1">
+            <a:schemeClr val="lt1"/>
+          </a:fillRef>
+          <a:effectRef idx="0">
+            <a:schemeClr val="dk1"/>
+          </a:effectRef>
+          <a:fontRef idx="minor">
+            <a:schemeClr val="dk1"/>
+          </a:fontRef>
+        </p:style>
+        <p:txBody>
+          <a:bodyPr rtlCol="0" anchor="ctr"/>
+          <a:lstStyle/>
+          <a:p>
+            <a:pPr algn="ctr"/>
+            <a:endParaRPr lang="en-US"/>
+          </a:p>
+        </p:txBody>
+      </p:sp>
+      <p:cxnSp>
+        <p:nvCxnSpPr>
+          <p:cNvPr id="33" name="Straight Connector 32">
+            <a:extLst>
+              <a:ext uri="{FF2B5EF4-FFF2-40B4-BE49-F238E27FC236}">
+                <a16:creationId xmlns:a16="http://schemas.microsoft.com/office/drawing/2014/main" id="{0A00217A-F844-4CC6-AD5B-015E5CF7F4DC}"/>
+              </a:ext>
+            </a:extLst>
+          </p:cNvPr>
+          <p:cNvCxnSpPr>
+            <a:cxnSpLocks/>
+          </p:cNvCxnSpPr>
+          <p:nvPr/>
+        </p:nvCxnSpPr>
+        <p:spPr>
+          <a:xfrm flipH="1">
+            <a:off x="5044364" y="553282"/>
+            <a:ext cx="73778" cy="152825"/>
+          </a:xfrm>
+          <a:prstGeom prst="line">
+            <a:avLst/>
+          </a:prstGeom>
+        </p:spPr>
+        <p:style>
+          <a:lnRef idx="1">
+            <a:schemeClr val="dk1"/>
+          </a:lnRef>
+          <a:fillRef idx="0">
+            <a:schemeClr val="dk1"/>
+          </a:fillRef>
+          <a:effectRef idx="0">
+            <a:schemeClr val="dk1"/>
+          </a:effectRef>
+          <a:fontRef idx="minor">
+            <a:schemeClr val="tx1"/>
+          </a:fontRef>
+        </p:style>
+      </p:cxnSp>
+      <p:cxnSp>
+        <p:nvCxnSpPr>
+          <p:cNvPr id="34" name="Straight Connector 33">
+            <a:extLst>
+              <a:ext uri="{FF2B5EF4-FFF2-40B4-BE49-F238E27FC236}">
+                <a16:creationId xmlns:a16="http://schemas.microsoft.com/office/drawing/2014/main" id="{93BAA5C3-68B6-4DE7-BCCF-12F8650682F4}"/>
+              </a:ext>
+            </a:extLst>
+          </p:cNvPr>
+          <p:cNvCxnSpPr>
+            <a:cxnSpLocks/>
+            <a:stCxn id="35" idx="4"/>
+          </p:cNvCxnSpPr>
+          <p:nvPr/>
+        </p:nvCxnSpPr>
+        <p:spPr>
+          <a:xfrm>
+            <a:off x="5119972" y="570002"/>
+            <a:ext cx="62505" cy="136105"/>
+          </a:xfrm>
+          <a:prstGeom prst="line">
+            <a:avLst/>
+          </a:prstGeom>
+        </p:spPr>
+        <p:style>
+          <a:lnRef idx="1">
+            <a:schemeClr val="dk1"/>
+          </a:lnRef>
+          <a:fillRef idx="0">
+            <a:schemeClr val="dk1"/>
+          </a:fillRef>
+          <a:effectRef idx="0">
+            <a:schemeClr val="dk1"/>
+          </a:effectRef>
+          <a:fontRef idx="minor">
+            <a:schemeClr val="tx1"/>
+          </a:fontRef>
+        </p:style>
+      </p:cxnSp>
+      <p:sp>
+        <p:nvSpPr>
+          <p:cNvPr id="35" name="Flowchart: Connector 34">
+            <a:extLst>
+              <a:ext uri="{FF2B5EF4-FFF2-40B4-BE49-F238E27FC236}">
+                <a16:creationId xmlns:a16="http://schemas.microsoft.com/office/drawing/2014/main" id="{1EF4560C-2F4E-4CC1-82E1-BB9D76A275C9}"/>
+              </a:ext>
+            </a:extLst>
+          </p:cNvPr>
+          <p:cNvSpPr/>
+          <p:nvPr/>
+        </p:nvSpPr>
+        <p:spPr>
+          <a:xfrm>
+            <a:off x="5074252" y="478562"/>
+            <a:ext cx="91440" cy="91440"/>
+          </a:xfrm>
+          <a:prstGeom prst="flowChartConnector">
+            <a:avLst/>
+          </a:prstGeom>
+          <a:noFill/>
+        </p:spPr>
+        <p:style>
+          <a:lnRef idx="2">
+            <a:schemeClr val="dk1"/>
+          </a:lnRef>
+          <a:fillRef idx="1">
+            <a:schemeClr val="lt1"/>
+          </a:fillRef>
+          <a:effectRef idx="0">
+            <a:schemeClr val="dk1"/>
+          </a:effectRef>
+          <a:fontRef idx="minor">
+            <a:schemeClr val="dk1"/>
+          </a:fontRef>
+        </p:style>
+        <p:txBody>
+          <a:bodyPr rtlCol="0" anchor="ctr"/>
+          <a:lstStyle/>
+          <a:p>
+            <a:pPr algn="ctr"/>
+            <a:endParaRPr lang="en-US"/>
+          </a:p>
+        </p:txBody>
+      </p:sp>
+      <p:cxnSp>
+        <p:nvCxnSpPr>
+          <p:cNvPr id="36" name="Straight Connector 35">
+            <a:extLst>
+              <a:ext uri="{FF2B5EF4-FFF2-40B4-BE49-F238E27FC236}">
+                <a16:creationId xmlns:a16="http://schemas.microsoft.com/office/drawing/2014/main" id="{2561AB36-A566-491C-9587-14D47136AA20}"/>
+              </a:ext>
+            </a:extLst>
+          </p:cNvPr>
+          <p:cNvCxnSpPr>
+            <a:cxnSpLocks/>
+          </p:cNvCxnSpPr>
+          <p:nvPr/>
+        </p:nvCxnSpPr>
+        <p:spPr>
+          <a:xfrm>
+            <a:off x="597567" y="1302988"/>
+            <a:ext cx="1536033" cy="0"/>
+          </a:xfrm>
+          <a:prstGeom prst="line">
+            <a:avLst/>
+          </a:prstGeom>
+        </p:spPr>
+        <p:style>
+          <a:lnRef idx="1">
+            <a:schemeClr val="accent1"/>
+          </a:lnRef>
+          <a:fillRef idx="0">
+            <a:schemeClr val="accent1"/>
+          </a:fillRef>
+          <a:effectRef idx="0">
+            <a:schemeClr val="accent1"/>
+          </a:effectRef>
+          <a:fontRef idx="minor">
+            <a:schemeClr val="tx1"/>
+          </a:fontRef>
+        </p:style>
+      </p:cxnSp>
+      <p:cxnSp>
+        <p:nvCxnSpPr>
+          <p:cNvPr id="38" name="Straight Connector 37">
+            <a:extLst>
+              <a:ext uri="{FF2B5EF4-FFF2-40B4-BE49-F238E27FC236}">
+                <a16:creationId xmlns:a16="http://schemas.microsoft.com/office/drawing/2014/main" id="{BAF59E3D-595B-4898-B051-8F3B188C9601}"/>
+              </a:ext>
+            </a:extLst>
+          </p:cNvPr>
+          <p:cNvCxnSpPr>
+            <a:cxnSpLocks/>
+          </p:cNvCxnSpPr>
+          <p:nvPr/>
+        </p:nvCxnSpPr>
+        <p:spPr>
+          <a:xfrm>
+            <a:off x="4579160" y="927801"/>
+            <a:ext cx="1377340" cy="0"/>
+          </a:xfrm>
+          <a:prstGeom prst="line">
+            <a:avLst/>
+          </a:prstGeom>
+        </p:spPr>
+        <p:style>
+          <a:lnRef idx="1">
+            <a:schemeClr val="accent1"/>
+          </a:lnRef>
+          <a:fillRef idx="0">
+            <a:schemeClr val="accent1"/>
+          </a:fillRef>
+          <a:effectRef idx="0">
+            <a:schemeClr val="accent1"/>
+          </a:effectRef>
+          <a:fontRef idx="minor">
+            <a:schemeClr val="tx1"/>
+          </a:fontRef>
+        </p:style>
+      </p:cxnSp>
+      <p:cxnSp>
+        <p:nvCxnSpPr>
+          <p:cNvPr id="40" name="Straight Connector 39">
+            <a:extLst>
+              <a:ext uri="{FF2B5EF4-FFF2-40B4-BE49-F238E27FC236}">
+                <a16:creationId xmlns:a16="http://schemas.microsoft.com/office/drawing/2014/main" id="{6596F177-F35C-4326-A8E9-EFD660DE56F3}"/>
+              </a:ext>
+            </a:extLst>
+          </p:cNvPr>
+          <p:cNvCxnSpPr>
+            <a:cxnSpLocks/>
+          </p:cNvCxnSpPr>
+          <p:nvPr/>
+        </p:nvCxnSpPr>
+        <p:spPr>
+          <a:xfrm>
+            <a:off x="6518939" y="932386"/>
+            <a:ext cx="1344000" cy="0"/>
+          </a:xfrm>
+          <a:prstGeom prst="line">
+            <a:avLst/>
+          </a:prstGeom>
+        </p:spPr>
+        <p:style>
+          <a:lnRef idx="1">
+            <a:schemeClr val="accent1"/>
+          </a:lnRef>
+          <a:fillRef idx="0">
+            <a:schemeClr val="accent1"/>
+          </a:fillRef>
+          <a:effectRef idx="0">
+            <a:schemeClr val="accent1"/>
+          </a:effectRef>
+          <a:fontRef idx="minor">
+            <a:schemeClr val="tx1"/>
+          </a:fontRef>
+        </p:style>
+      </p:cxnSp>
+      <p:cxnSp>
+        <p:nvCxnSpPr>
+          <p:cNvPr id="41" name="Straight Connector 40">
+            <a:extLst>
+              <a:ext uri="{FF2B5EF4-FFF2-40B4-BE49-F238E27FC236}">
+                <a16:creationId xmlns:a16="http://schemas.microsoft.com/office/drawing/2014/main" id="{17B51150-4CA9-4FFE-871C-2461DF99D08F}"/>
+              </a:ext>
+            </a:extLst>
+          </p:cNvPr>
+          <p:cNvCxnSpPr>
+            <a:cxnSpLocks/>
+          </p:cNvCxnSpPr>
+          <p:nvPr/>
+        </p:nvCxnSpPr>
+        <p:spPr>
+          <a:xfrm>
+            <a:off x="785906" y="3798322"/>
+            <a:ext cx="1078200" cy="0"/>
+          </a:xfrm>
+          <a:prstGeom prst="line">
+            <a:avLst/>
+          </a:prstGeom>
+        </p:spPr>
+        <p:style>
+          <a:lnRef idx="1">
+            <a:schemeClr val="accent1"/>
+          </a:lnRef>
+          <a:fillRef idx="0">
+            <a:schemeClr val="accent1"/>
+          </a:fillRef>
+          <a:effectRef idx="0">
+            <a:schemeClr val="accent1"/>
+          </a:effectRef>
+          <a:fontRef idx="minor">
+            <a:schemeClr val="tx1"/>
+          </a:fontRef>
+        </p:style>
+      </p:cxnSp>
+      <p:cxnSp>
+        <p:nvCxnSpPr>
+          <p:cNvPr id="43" name="Straight Connector 42">
+            <a:extLst>
+              <a:ext uri="{FF2B5EF4-FFF2-40B4-BE49-F238E27FC236}">
+                <a16:creationId xmlns:a16="http://schemas.microsoft.com/office/drawing/2014/main" id="{81BAEECB-04CE-454A-A21E-A5527706E470}"/>
+              </a:ext>
+            </a:extLst>
+          </p:cNvPr>
+          <p:cNvCxnSpPr>
+            <a:cxnSpLocks/>
+          </p:cNvCxnSpPr>
+          <p:nvPr/>
+        </p:nvCxnSpPr>
+        <p:spPr>
+          <a:xfrm>
+            <a:off x="2213242" y="3798322"/>
+            <a:ext cx="1071111" cy="0"/>
+          </a:xfrm>
+          <a:prstGeom prst="line">
+            <a:avLst/>
+          </a:prstGeom>
+        </p:spPr>
+        <p:style>
+          <a:lnRef idx="1">
+            <a:schemeClr val="accent1"/>
+          </a:lnRef>
+          <a:fillRef idx="0">
+            <a:schemeClr val="accent1"/>
+          </a:fillRef>
+          <a:effectRef idx="0">
+            <a:schemeClr val="accent1"/>
           </a:effectRef>
           <a:fontRef idx="minor">
             <a:schemeClr val="tx1"/>
